--- a/Projektleiter/SoftwareEngineering_Präsentation.pptx
+++ b/Projektleiter/SoftwareEngineering_Präsentation.pptx
@@ -7017,8 +7017,8 @@
           <a:lstStyle/>
           <a:p>
             <a:r>
-              <a:rPr lang="de-DE" altLang="de-DE"/>
-              <a:t>Inhalt</a:t>
+              <a:rPr lang="de-DE" altLang="de-DE" dirty="0"/>
+              <a:t>Agenda</a:t>
             </a:r>
           </a:p>
         </p:txBody>
@@ -8947,8 +8947,8 @@
           <a:lstStyle/>
           <a:p>
             <a:r>
-              <a:rPr lang="de-DE" altLang="de-DE"/>
-              <a:t>Inhalt</a:t>
+              <a:rPr lang="de-DE" altLang="de-DE" dirty="0"/>
+              <a:t>Agenda</a:t>
             </a:r>
           </a:p>
         </p:txBody>
@@ -10328,8 +10328,8 @@
           <a:lstStyle/>
           <a:p>
             <a:r>
-              <a:rPr lang="de-DE" altLang="de-DE"/>
-              <a:t>Inhalt</a:t>
+              <a:rPr lang="de-DE" altLang="de-DE" dirty="0"/>
+              <a:t>Agenda</a:t>
             </a:r>
           </a:p>
         </p:txBody>
@@ -12235,8 +12235,8 @@
           <a:lstStyle/>
           <a:p>
             <a:r>
-              <a:rPr lang="de-DE" altLang="de-DE"/>
-              <a:t>Inhalt</a:t>
+              <a:rPr lang="de-DE" altLang="de-DE" dirty="0"/>
+              <a:t>Agenda</a:t>
             </a:r>
           </a:p>
         </p:txBody>
@@ -12770,8 +12770,8 @@
           <a:lstStyle/>
           <a:p>
             <a:r>
-              <a:rPr lang="de-DE" altLang="de-DE"/>
-              <a:t>Inhalt</a:t>
+              <a:rPr lang="de-DE" altLang="de-DE" dirty="0"/>
+              <a:t>Agenda</a:t>
             </a:r>
           </a:p>
         </p:txBody>
@@ -12802,15 +12802,15 @@
               <a:buChar char="•"/>
             </a:pPr>
             <a:r>
-              <a:rPr lang="de-DE" altLang="de-DE" sz="1600" dirty="0"/>
+              <a:rPr lang="de-DE" altLang="de-DE" sz="1600" b="1" dirty="0"/>
               <a:t>Master </a:t>
             </a:r>
             <a:r>
-              <a:rPr lang="de-DE" altLang="de-DE" sz="1600" dirty="0" err="1"/>
+              <a:rPr lang="de-DE" altLang="de-DE" sz="1600" b="1" dirty="0" err="1"/>
               <a:t>Usecase</a:t>
             </a:r>
             <a:r>
-              <a:rPr lang="de-DE" altLang="de-DE" sz="1600" dirty="0"/>
+              <a:rPr lang="de-DE" altLang="de-DE" sz="1600" b="1" dirty="0"/>
               <a:t> </a:t>
             </a:r>
           </a:p>
@@ -14170,7 +14170,7 @@
         </p:nvSpPr>
         <p:spPr>
           <a:xfrm>
-            <a:off x="734435" y="956683"/>
+            <a:off x="734435" y="962553"/>
             <a:ext cx="8534400" cy="838200"/>
           </a:xfrm>
         </p:spPr>
@@ -16012,8 +16012,8 @@
           <a:lstStyle/>
           <a:p>
             <a:r>
-              <a:rPr lang="de-DE" altLang="de-DE"/>
-              <a:t>Inhalt</a:t>
+              <a:rPr lang="de-DE" altLang="de-DE" dirty="0"/>
+              <a:t>Agenda</a:t>
             </a:r>
           </a:p>
         </p:txBody>
@@ -20143,8 +20143,8 @@
           <a:lstStyle/>
           <a:p>
             <a:r>
-              <a:rPr lang="de-DE" altLang="de-DE"/>
-              <a:t>Inhalt</a:t>
+              <a:rPr lang="de-DE" altLang="de-DE" dirty="0"/>
+              <a:t>Agenda</a:t>
             </a:r>
           </a:p>
         </p:txBody>

--- a/Projektleiter/SoftwareEngineering_Präsentation.pptx
+++ b/Projektleiter/SoftwareEngineering_Präsentation.pptx
@@ -13984,53 +13984,6 @@
       </p:sp>
       <p:sp>
         <p:nvSpPr>
-          <p:cNvPr id="12" name="Text Placeholder 2">
-            <a:extLst>
-              <a:ext uri="{FF2B5EF4-FFF2-40B4-BE49-F238E27FC236}">
-                <a16:creationId xmlns:a16="http://schemas.microsoft.com/office/drawing/2014/main" id="{52DAE3F9-A019-4C84-AA37-5723E9A86C56}"/>
-              </a:ext>
-            </a:extLst>
-          </p:cNvPr>
-          <p:cNvSpPr>
-            <a:spLocks noGrp="1"/>
-          </p:cNvSpPr>
-          <p:nvPr>
-            <p:ph type="body" idx="1"/>
-          </p:nvPr>
-        </p:nvSpPr>
-        <p:spPr>
-          <a:xfrm>
-            <a:off x="560512" y="2420888"/>
-            <a:ext cx="8420100" cy="1500187"/>
-          </a:xfrm>
-        </p:spPr>
-        <p:txBody>
-          <a:bodyPr/>
-          <a:lstStyle/>
-          <a:p>
-            <a:pPr algn="ctr"/>
-            <a:r>
-              <a:rPr lang="en-US" sz="3200" dirty="0" err="1"/>
-              <a:t>Gibt</a:t>
-            </a:r>
-            <a:r>
-              <a:rPr lang="en-US" sz="3200" dirty="0"/>
-              <a:t> es </a:t>
-            </a:r>
-            <a:r>
-              <a:rPr lang="en-US" sz="3200" dirty="0" err="1"/>
-              <a:t>Fragen</a:t>
-            </a:r>
-            <a:r>
-              <a:rPr lang="en-US" sz="3200" dirty="0"/>
-              <a:t>?</a:t>
-            </a:r>
-            <a:endParaRPr lang="en-US" dirty="0"/>
-          </a:p>
-        </p:txBody>
-      </p:sp>
-      <p:sp>
-        <p:nvSpPr>
           <p:cNvPr id="4" name="Datumsplatzhalter 3">
             <a:extLst>
               <a:ext uri="{FF2B5EF4-FFF2-40B4-BE49-F238E27FC236}">
@@ -14136,7 +14089,7 @@
 </file>
 
 <file path=ppt/slides/slide22.xml><?xml version="1.0" encoding="utf-8"?>
-<p:sld xmlns:a="http://schemas.openxmlformats.org/drawingml/2006/main" xmlns:r="http://schemas.openxmlformats.org/officeDocument/2006/relationships" xmlns:p="http://schemas.openxmlformats.org/presentationml/2006/main">
+<p:sld xmlns:a="http://schemas.openxmlformats.org/drawingml/2006/main" xmlns:r="http://schemas.openxmlformats.org/officeDocument/2006/relationships" xmlns:p="http://schemas.openxmlformats.org/presentationml/2006/main" show="0">
   <p:cSld>
     <p:spTree>
       <p:nvGrpSpPr>

--- a/Projektleiter/SoftwareEngineering_Präsentation.pptx
+++ b/Projektleiter/SoftwareEngineering_Präsentation.pptx
@@ -931,6 +931,2160 @@
     </a:lvl9pPr>
   </p:notesStyle>
 </p:notesMaster>
+</file>
+
+<file path=ppt/notesSlides/notesSlide1.xml><?xml version="1.0" encoding="utf-8"?>
+<p:notes xmlns:a="http://schemas.openxmlformats.org/drawingml/2006/main" xmlns:r="http://schemas.openxmlformats.org/officeDocument/2006/relationships" xmlns:p="http://schemas.openxmlformats.org/presentationml/2006/main">
+  <p:cSld>
+    <p:spTree>
+      <p:nvGrpSpPr>
+        <p:cNvPr id="1" name=""/>
+        <p:cNvGrpSpPr/>
+        <p:nvPr/>
+      </p:nvGrpSpPr>
+      <p:grpSpPr>
+        <a:xfrm>
+          <a:off x="0" y="0"/>
+          <a:ext cx="0" cy="0"/>
+          <a:chOff x="0" y="0"/>
+          <a:chExt cx="0" cy="0"/>
+        </a:xfrm>
+      </p:grpSpPr>
+      <p:sp>
+        <p:nvSpPr>
+          <p:cNvPr id="2" name="Folienbildplatzhalter 1"/>
+          <p:cNvSpPr>
+            <a:spLocks noGrp="1" noRot="1" noChangeAspect="1"/>
+          </p:cNvSpPr>
+          <p:nvPr>
+            <p:ph type="sldImg"/>
+          </p:nvPr>
+        </p:nvSpPr>
+        <p:spPr/>
+      </p:sp>
+      <p:sp>
+        <p:nvSpPr>
+          <p:cNvPr id="3" name="Notizenplatzhalter 2"/>
+          <p:cNvSpPr>
+            <a:spLocks noGrp="1"/>
+          </p:cNvSpPr>
+          <p:nvPr>
+            <p:ph type="body" idx="1"/>
+          </p:nvPr>
+        </p:nvSpPr>
+        <p:spPr/>
+        <p:txBody>
+          <a:bodyPr/>
+          <a:lstStyle/>
+          <a:p>
+            <a:r>
+              <a:rPr lang="de-DE" dirty="0"/>
+              <a:t>Herr Roth: Meeting </a:t>
+            </a:r>
+            <a:r>
+              <a:rPr lang="de-DE" dirty="0" err="1"/>
+              <a:t>Minutes</a:t>
+            </a:r>
+            <a:r>
+              <a:rPr lang="de-DE" dirty="0"/>
+              <a:t> und Dokumentationen</a:t>
+            </a:r>
+          </a:p>
+          <a:p>
+            <a:r>
+              <a:rPr lang="de-DE" dirty="0"/>
+              <a:t>Herr Schmidt: Testen von Prototypen und Quality </a:t>
+            </a:r>
+            <a:r>
+              <a:rPr lang="de-DE" dirty="0" err="1"/>
+              <a:t>Assurence</a:t>
+            </a:r>
+            <a:endParaRPr lang="de-DE" dirty="0"/>
+          </a:p>
+          <a:p>
+            <a:r>
+              <a:rPr lang="de-DE" dirty="0"/>
+              <a:t>Herr Tran: Entwicklung und Implementation des Usability Konzepts</a:t>
+            </a:r>
+          </a:p>
+          <a:p>
+            <a:r>
+              <a:rPr lang="de-DE" dirty="0"/>
+              <a:t>Herr Jess: Systemarchitektur und Erarbeitung eines Usability Konzept </a:t>
+            </a:r>
+          </a:p>
+          <a:p>
+            <a:r>
+              <a:rPr lang="de-DE" dirty="0"/>
+              <a:t>Herr </a:t>
+            </a:r>
+            <a:r>
+              <a:rPr lang="de-DE" dirty="0" err="1"/>
+              <a:t>Zaoral</a:t>
+            </a:r>
+            <a:r>
+              <a:rPr lang="de-DE" dirty="0"/>
+              <a:t>: Kommunikation mit dem Kunden bezüglich SRS/CRS</a:t>
+            </a:r>
+          </a:p>
+          <a:p>
+            <a:r>
+              <a:rPr lang="de-DE" dirty="0"/>
+              <a:t>Ich: </a:t>
+            </a:r>
+            <a:r>
+              <a:rPr lang="de-DE" dirty="0" err="1"/>
+              <a:t>Scrum</a:t>
+            </a:r>
+            <a:r>
+              <a:rPr lang="de-DE" dirty="0"/>
+              <a:t> Master und Erarbeitung des PM und eines BC</a:t>
+            </a:r>
+          </a:p>
+        </p:txBody>
+      </p:sp>
+      <p:sp>
+        <p:nvSpPr>
+          <p:cNvPr id="4" name="Foliennummernplatzhalter 3"/>
+          <p:cNvSpPr>
+            <a:spLocks noGrp="1"/>
+          </p:cNvSpPr>
+          <p:nvPr>
+            <p:ph type="sldNum" sz="quarter" idx="5"/>
+          </p:nvPr>
+        </p:nvSpPr>
+        <p:spPr/>
+        <p:txBody>
+          <a:bodyPr/>
+          <a:lstStyle/>
+          <a:p>
+            <a:pPr>
+              <a:defRPr/>
+            </a:pPr>
+            <a:fld id="{8946FE85-8B7A-4F17-8729-2A3CAC076D73}" type="slidenum">
+              <a:rPr lang="de-DE" altLang="de-DE" smtClean="0"/>
+              <a:pPr>
+                <a:defRPr/>
+              </a:pPr>
+              <a:t>1</a:t>
+            </a:fld>
+            <a:endParaRPr lang="de-DE" altLang="de-DE"/>
+          </a:p>
+        </p:txBody>
+      </p:sp>
+    </p:spTree>
+    <p:extLst>
+      <p:ext uri="{BB962C8B-B14F-4D97-AF65-F5344CB8AC3E}">
+        <p14:creationId xmlns:p14="http://schemas.microsoft.com/office/powerpoint/2010/main" val="3571327807"/>
+      </p:ext>
+    </p:extLst>
+  </p:cSld>
+  <p:clrMapOvr>
+    <a:masterClrMapping/>
+  </p:clrMapOvr>
+</p:notes>
+</file>
+
+<file path=ppt/notesSlides/notesSlide10.xml><?xml version="1.0" encoding="utf-8"?>
+<p:notes xmlns:a="http://schemas.openxmlformats.org/drawingml/2006/main" xmlns:r="http://schemas.openxmlformats.org/officeDocument/2006/relationships" xmlns:p="http://schemas.openxmlformats.org/presentationml/2006/main">
+  <p:cSld>
+    <p:spTree>
+      <p:nvGrpSpPr>
+        <p:cNvPr id="1" name=""/>
+        <p:cNvGrpSpPr/>
+        <p:nvPr/>
+      </p:nvGrpSpPr>
+      <p:grpSpPr>
+        <a:xfrm>
+          <a:off x="0" y="0"/>
+          <a:ext cx="0" cy="0"/>
+          <a:chOff x="0" y="0"/>
+          <a:chExt cx="0" cy="0"/>
+        </a:xfrm>
+      </p:grpSpPr>
+      <p:sp>
+        <p:nvSpPr>
+          <p:cNvPr id="2" name="Folienbildplatzhalter 1"/>
+          <p:cNvSpPr>
+            <a:spLocks noGrp="1" noRot="1" noChangeAspect="1"/>
+          </p:cNvSpPr>
+          <p:nvPr>
+            <p:ph type="sldImg"/>
+          </p:nvPr>
+        </p:nvSpPr>
+        <p:spPr/>
+      </p:sp>
+      <p:sp>
+        <p:nvSpPr>
+          <p:cNvPr id="3" name="Notizenplatzhalter 2"/>
+          <p:cNvSpPr>
+            <a:spLocks noGrp="1"/>
+          </p:cNvSpPr>
+          <p:nvPr>
+            <p:ph type="body" idx="1"/>
+          </p:nvPr>
+        </p:nvSpPr>
+        <p:spPr/>
+        <p:txBody>
+          <a:bodyPr/>
+          <a:lstStyle/>
+          <a:p>
+            <a:r>
+              <a:rPr lang="de-DE" dirty="0"/>
+              <a:t>Vorgehensweise …</a:t>
+            </a:r>
+          </a:p>
+        </p:txBody>
+      </p:sp>
+      <p:sp>
+        <p:nvSpPr>
+          <p:cNvPr id="4" name="Foliennummernplatzhalter 3"/>
+          <p:cNvSpPr>
+            <a:spLocks noGrp="1"/>
+          </p:cNvSpPr>
+          <p:nvPr>
+            <p:ph type="sldNum" sz="quarter" idx="5"/>
+          </p:nvPr>
+        </p:nvSpPr>
+        <p:spPr/>
+        <p:txBody>
+          <a:bodyPr/>
+          <a:lstStyle/>
+          <a:p>
+            <a:pPr>
+              <a:defRPr/>
+            </a:pPr>
+            <a:fld id="{8946FE85-8B7A-4F17-8729-2A3CAC076D73}" type="slidenum">
+              <a:rPr lang="de-DE" altLang="de-DE" smtClean="0"/>
+              <a:pPr>
+                <a:defRPr/>
+              </a:pPr>
+              <a:t>11</a:t>
+            </a:fld>
+            <a:endParaRPr lang="de-DE" altLang="de-DE"/>
+          </a:p>
+        </p:txBody>
+      </p:sp>
+    </p:spTree>
+    <p:extLst>
+      <p:ext uri="{BB962C8B-B14F-4D97-AF65-F5344CB8AC3E}">
+        <p14:creationId xmlns:p14="http://schemas.microsoft.com/office/powerpoint/2010/main" val="3713181155"/>
+      </p:ext>
+    </p:extLst>
+  </p:cSld>
+  <p:clrMapOvr>
+    <a:masterClrMapping/>
+  </p:clrMapOvr>
+</p:notes>
+</file>
+
+<file path=ppt/notesSlides/notesSlide11.xml><?xml version="1.0" encoding="utf-8"?>
+<p:notes xmlns:a="http://schemas.openxmlformats.org/drawingml/2006/main" xmlns:r="http://schemas.openxmlformats.org/officeDocument/2006/relationships" xmlns:p="http://schemas.openxmlformats.org/presentationml/2006/main">
+  <p:cSld>
+    <p:spTree>
+      <p:nvGrpSpPr>
+        <p:cNvPr id="1" name=""/>
+        <p:cNvGrpSpPr/>
+        <p:nvPr/>
+      </p:nvGrpSpPr>
+      <p:grpSpPr>
+        <a:xfrm>
+          <a:off x="0" y="0"/>
+          <a:ext cx="0" cy="0"/>
+          <a:chOff x="0" y="0"/>
+          <a:chExt cx="0" cy="0"/>
+        </a:xfrm>
+      </p:grpSpPr>
+      <p:sp>
+        <p:nvSpPr>
+          <p:cNvPr id="2" name="Folienbildplatzhalter 1"/>
+          <p:cNvSpPr>
+            <a:spLocks noGrp="1" noRot="1" noChangeAspect="1"/>
+          </p:cNvSpPr>
+          <p:nvPr>
+            <p:ph type="sldImg"/>
+          </p:nvPr>
+        </p:nvSpPr>
+        <p:spPr/>
+      </p:sp>
+      <p:sp>
+        <p:nvSpPr>
+          <p:cNvPr id="3" name="Notizenplatzhalter 2"/>
+          <p:cNvSpPr>
+            <a:spLocks noGrp="1"/>
+          </p:cNvSpPr>
+          <p:nvPr>
+            <p:ph type="body" idx="1"/>
+          </p:nvPr>
+        </p:nvSpPr>
+        <p:spPr/>
+        <p:txBody>
+          <a:bodyPr/>
+          <a:lstStyle/>
+          <a:p>
+            <a:r>
+              <a:rPr lang="de-DE" dirty="0"/>
+              <a:t>Mittels </a:t>
+            </a:r>
+            <a:r>
+              <a:rPr lang="de-DE" dirty="0" err="1"/>
+              <a:t>Scrum</a:t>
+            </a:r>
+            <a:r>
+              <a:rPr lang="de-DE" dirty="0"/>
+              <a:t> Prinzip:</a:t>
+            </a:r>
+          </a:p>
+          <a:p>
+            <a:endParaRPr lang="de-DE" dirty="0"/>
+          </a:p>
+          <a:p>
+            <a:r>
+              <a:rPr lang="de-DE" dirty="0"/>
+              <a:t>	- Aufgaben von Kunden (</a:t>
+            </a:r>
+            <a:r>
+              <a:rPr lang="de-DE" b="1" dirty="0" err="1"/>
+              <a:t>Product</a:t>
+            </a:r>
+            <a:r>
+              <a:rPr lang="de-DE" b="1" dirty="0"/>
+              <a:t> Backlog</a:t>
+            </a:r>
+            <a:r>
+              <a:rPr lang="de-DE" dirty="0"/>
+              <a:t>)</a:t>
+            </a:r>
+          </a:p>
+          <a:p>
+            <a:r>
+              <a:rPr lang="de-DE" dirty="0"/>
+              <a:t>	- Aufteilen in kleinere Aufgaben (</a:t>
+            </a:r>
+            <a:r>
+              <a:rPr lang="de-DE" b="1" dirty="0"/>
+              <a:t>Sprint Backlog</a:t>
+            </a:r>
+            <a:r>
+              <a:rPr lang="de-DE" dirty="0"/>
+              <a:t>)</a:t>
+            </a:r>
+          </a:p>
+          <a:p>
+            <a:r>
+              <a:rPr lang="de-DE" dirty="0"/>
+              <a:t>	- Regelmäßige Wochen Sprints</a:t>
+            </a:r>
+          </a:p>
+          <a:p>
+            <a:r>
+              <a:rPr lang="de-DE" dirty="0"/>
+              <a:t>	- Austausch bei jedem Treffen (</a:t>
+            </a:r>
+            <a:r>
+              <a:rPr lang="de-DE" b="1" dirty="0"/>
+              <a:t>Review</a:t>
+            </a:r>
+            <a:r>
+              <a:rPr lang="de-DE" dirty="0"/>
+              <a:t>)</a:t>
+            </a:r>
+          </a:p>
+          <a:p>
+            <a:endParaRPr lang="de-DE" dirty="0"/>
+          </a:p>
+          <a:p>
+            <a:r>
+              <a:rPr lang="de-DE" dirty="0"/>
+              <a:t>	- </a:t>
+            </a:r>
+            <a:r>
+              <a:rPr lang="de-DE" sz="1200" b="0" i="0" kern="1200" dirty="0" err="1">
+                <a:solidFill>
+                  <a:schemeClr val="tx1"/>
+                </a:solidFill>
+                <a:effectLst/>
+                <a:latin typeface="Arial" charset="0"/>
+                <a:ea typeface="ＭＳ Ｐゴシック" pitchFamily="34" charset="-128"/>
+                <a:cs typeface="Arial" charset="0"/>
+              </a:rPr>
+              <a:t>Commitment</a:t>
+            </a:r>
+            <a:r>
+              <a:rPr lang="de-DE" sz="1200" b="0" i="0" kern="1200" dirty="0">
+                <a:solidFill>
+                  <a:schemeClr val="tx1"/>
+                </a:solidFill>
+                <a:effectLst/>
+                <a:latin typeface="Arial" charset="0"/>
+                <a:ea typeface="ＭＳ Ｐゴシック" pitchFamily="34" charset="-128"/>
+                <a:cs typeface="Arial" charset="0"/>
+              </a:rPr>
+              <a:t>, Courage, Focus, </a:t>
+            </a:r>
+            <a:r>
+              <a:rPr lang="de-DE" sz="1200" b="0" i="0" kern="1200" dirty="0" err="1">
+                <a:solidFill>
+                  <a:schemeClr val="tx1"/>
+                </a:solidFill>
+                <a:effectLst/>
+                <a:latin typeface="Arial" charset="0"/>
+                <a:ea typeface="ＭＳ Ｐゴシック" pitchFamily="34" charset="-128"/>
+                <a:cs typeface="Arial" charset="0"/>
+              </a:rPr>
+              <a:t>Openness</a:t>
+            </a:r>
+            <a:r>
+              <a:rPr lang="de-DE" sz="1200" b="0" i="0" kern="1200" dirty="0">
+                <a:solidFill>
+                  <a:schemeClr val="tx1"/>
+                </a:solidFill>
+                <a:effectLst/>
+                <a:latin typeface="Arial" charset="0"/>
+                <a:ea typeface="ＭＳ Ｐゴシック" pitchFamily="34" charset="-128"/>
+                <a:cs typeface="Arial" charset="0"/>
+              </a:rPr>
+              <a:t>, </a:t>
+            </a:r>
+            <a:r>
+              <a:rPr lang="de-DE" sz="1200" b="0" i="0" kern="1200" dirty="0" err="1">
+                <a:solidFill>
+                  <a:schemeClr val="tx1"/>
+                </a:solidFill>
+                <a:effectLst/>
+                <a:latin typeface="Arial" charset="0"/>
+                <a:ea typeface="ＭＳ Ｐゴシック" pitchFamily="34" charset="-128"/>
+                <a:cs typeface="Arial" charset="0"/>
+              </a:rPr>
+              <a:t>Respect</a:t>
+            </a:r>
+            <a:endParaRPr lang="de-DE" sz="1200" b="0" i="0" kern="1200" dirty="0">
+              <a:solidFill>
+                <a:schemeClr val="tx1"/>
+              </a:solidFill>
+              <a:effectLst/>
+              <a:latin typeface="Arial" charset="0"/>
+              <a:ea typeface="ＭＳ Ｐゴシック" pitchFamily="34" charset="-128"/>
+              <a:cs typeface="Arial" charset="0"/>
+            </a:endParaRPr>
+          </a:p>
+          <a:p>
+            <a:r>
+              <a:rPr lang="de-DE" dirty="0"/>
+              <a:t>	- Engagement, Mut, Fokus, Offenheit, Respekt</a:t>
+            </a:r>
+          </a:p>
+        </p:txBody>
+      </p:sp>
+      <p:sp>
+        <p:nvSpPr>
+          <p:cNvPr id="4" name="Foliennummernplatzhalter 3"/>
+          <p:cNvSpPr>
+            <a:spLocks noGrp="1"/>
+          </p:cNvSpPr>
+          <p:nvPr>
+            <p:ph type="sldNum" sz="quarter" idx="5"/>
+          </p:nvPr>
+        </p:nvSpPr>
+        <p:spPr/>
+        <p:txBody>
+          <a:bodyPr/>
+          <a:lstStyle/>
+          <a:p>
+            <a:pPr>
+              <a:defRPr/>
+            </a:pPr>
+            <a:fld id="{8946FE85-8B7A-4F17-8729-2A3CAC076D73}" type="slidenum">
+              <a:rPr lang="de-DE" altLang="de-DE" smtClean="0"/>
+              <a:pPr>
+                <a:defRPr/>
+              </a:pPr>
+              <a:t>12</a:t>
+            </a:fld>
+            <a:endParaRPr lang="de-DE" altLang="de-DE"/>
+          </a:p>
+        </p:txBody>
+      </p:sp>
+    </p:spTree>
+    <p:extLst>
+      <p:ext uri="{BB962C8B-B14F-4D97-AF65-F5344CB8AC3E}">
+        <p14:creationId xmlns:p14="http://schemas.microsoft.com/office/powerpoint/2010/main" val="3244959191"/>
+      </p:ext>
+    </p:extLst>
+  </p:cSld>
+  <p:clrMapOvr>
+    <a:masterClrMapping/>
+  </p:clrMapOvr>
+</p:notes>
+</file>
+
+<file path=ppt/notesSlides/notesSlide12.xml><?xml version="1.0" encoding="utf-8"?>
+<p:notes xmlns:a="http://schemas.openxmlformats.org/drawingml/2006/main" xmlns:r="http://schemas.openxmlformats.org/officeDocument/2006/relationships" xmlns:p="http://schemas.openxmlformats.org/presentationml/2006/main">
+  <p:cSld>
+    <p:spTree>
+      <p:nvGrpSpPr>
+        <p:cNvPr id="1" name=""/>
+        <p:cNvGrpSpPr/>
+        <p:nvPr/>
+      </p:nvGrpSpPr>
+      <p:grpSpPr>
+        <a:xfrm>
+          <a:off x="0" y="0"/>
+          <a:ext cx="0" cy="0"/>
+          <a:chOff x="0" y="0"/>
+          <a:chExt cx="0" cy="0"/>
+        </a:xfrm>
+      </p:grpSpPr>
+      <p:sp>
+        <p:nvSpPr>
+          <p:cNvPr id="2" name="Folienbildplatzhalter 1"/>
+          <p:cNvSpPr>
+            <a:spLocks noGrp="1" noRot="1" noChangeAspect="1"/>
+          </p:cNvSpPr>
+          <p:nvPr>
+            <p:ph type="sldImg"/>
+          </p:nvPr>
+        </p:nvSpPr>
+        <p:spPr/>
+      </p:sp>
+      <p:sp>
+        <p:nvSpPr>
+          <p:cNvPr id="3" name="Notizenplatzhalter 2"/>
+          <p:cNvSpPr>
+            <a:spLocks noGrp="1"/>
+          </p:cNvSpPr>
+          <p:nvPr>
+            <p:ph type="body" idx="1"/>
+          </p:nvPr>
+        </p:nvSpPr>
+        <p:spPr/>
+        <p:txBody>
+          <a:bodyPr/>
+          <a:lstStyle/>
+          <a:p>
+            <a:r>
+              <a:rPr lang="de-DE" dirty="0"/>
+              <a:t>Gant Chart dies das Ananas </a:t>
+            </a:r>
+          </a:p>
+        </p:txBody>
+      </p:sp>
+      <p:sp>
+        <p:nvSpPr>
+          <p:cNvPr id="4" name="Foliennummernplatzhalter 3"/>
+          <p:cNvSpPr>
+            <a:spLocks noGrp="1"/>
+          </p:cNvSpPr>
+          <p:nvPr>
+            <p:ph type="sldNum" sz="quarter" idx="5"/>
+          </p:nvPr>
+        </p:nvSpPr>
+        <p:spPr/>
+        <p:txBody>
+          <a:bodyPr/>
+          <a:lstStyle/>
+          <a:p>
+            <a:pPr>
+              <a:defRPr/>
+            </a:pPr>
+            <a:fld id="{8946FE85-8B7A-4F17-8729-2A3CAC076D73}" type="slidenum">
+              <a:rPr lang="de-DE" altLang="de-DE" smtClean="0"/>
+              <a:pPr>
+                <a:defRPr/>
+              </a:pPr>
+              <a:t>13</a:t>
+            </a:fld>
+            <a:endParaRPr lang="de-DE" altLang="de-DE"/>
+          </a:p>
+        </p:txBody>
+      </p:sp>
+    </p:spTree>
+    <p:extLst>
+      <p:ext uri="{BB962C8B-B14F-4D97-AF65-F5344CB8AC3E}">
+        <p14:creationId xmlns:p14="http://schemas.microsoft.com/office/powerpoint/2010/main" val="2250282441"/>
+      </p:ext>
+    </p:extLst>
+  </p:cSld>
+  <p:clrMapOvr>
+    <a:masterClrMapping/>
+  </p:clrMapOvr>
+</p:notes>
+</file>
+
+<file path=ppt/notesSlides/notesSlide13.xml><?xml version="1.0" encoding="utf-8"?>
+<p:notes xmlns:a="http://schemas.openxmlformats.org/drawingml/2006/main" xmlns:r="http://schemas.openxmlformats.org/officeDocument/2006/relationships" xmlns:p="http://schemas.openxmlformats.org/presentationml/2006/main">
+  <p:cSld>
+    <p:spTree>
+      <p:nvGrpSpPr>
+        <p:cNvPr id="1" name=""/>
+        <p:cNvGrpSpPr/>
+        <p:nvPr/>
+      </p:nvGrpSpPr>
+      <p:grpSpPr>
+        <a:xfrm>
+          <a:off x="0" y="0"/>
+          <a:ext cx="0" cy="0"/>
+          <a:chOff x="0" y="0"/>
+          <a:chExt cx="0" cy="0"/>
+        </a:xfrm>
+      </p:grpSpPr>
+      <p:sp>
+        <p:nvSpPr>
+          <p:cNvPr id="2" name="Folienbildplatzhalter 1"/>
+          <p:cNvSpPr>
+            <a:spLocks noGrp="1" noRot="1" noChangeAspect="1"/>
+          </p:cNvSpPr>
+          <p:nvPr>
+            <p:ph type="sldImg"/>
+          </p:nvPr>
+        </p:nvSpPr>
+        <p:spPr/>
+      </p:sp>
+      <p:sp>
+        <p:nvSpPr>
+          <p:cNvPr id="3" name="Notizenplatzhalter 2"/>
+          <p:cNvSpPr>
+            <a:spLocks noGrp="1"/>
+          </p:cNvSpPr>
+          <p:nvPr>
+            <p:ph type="body" idx="1"/>
+          </p:nvPr>
+        </p:nvSpPr>
+        <p:spPr/>
+        <p:txBody>
+          <a:bodyPr/>
+          <a:lstStyle/>
+          <a:p>
+            <a:r>
+              <a:rPr lang="de-DE" dirty="0"/>
+              <a:t>Mittels eines Top-Down Prinzip Arbeit in Pakete und Meilenstein aufgeteilt:</a:t>
+            </a:r>
+          </a:p>
+        </p:txBody>
+      </p:sp>
+      <p:sp>
+        <p:nvSpPr>
+          <p:cNvPr id="4" name="Foliennummernplatzhalter 3"/>
+          <p:cNvSpPr>
+            <a:spLocks noGrp="1"/>
+          </p:cNvSpPr>
+          <p:nvPr>
+            <p:ph type="sldNum" sz="quarter" idx="5"/>
+          </p:nvPr>
+        </p:nvSpPr>
+        <p:spPr/>
+        <p:txBody>
+          <a:bodyPr/>
+          <a:lstStyle/>
+          <a:p>
+            <a:pPr>
+              <a:defRPr/>
+            </a:pPr>
+            <a:fld id="{8946FE85-8B7A-4F17-8729-2A3CAC076D73}" type="slidenum">
+              <a:rPr lang="de-DE" altLang="de-DE" smtClean="0"/>
+              <a:pPr>
+                <a:defRPr/>
+              </a:pPr>
+              <a:t>14</a:t>
+            </a:fld>
+            <a:endParaRPr lang="de-DE" altLang="de-DE"/>
+          </a:p>
+        </p:txBody>
+      </p:sp>
+    </p:spTree>
+    <p:extLst>
+      <p:ext uri="{BB962C8B-B14F-4D97-AF65-F5344CB8AC3E}">
+        <p14:creationId xmlns:p14="http://schemas.microsoft.com/office/powerpoint/2010/main" val="979320797"/>
+      </p:ext>
+    </p:extLst>
+  </p:cSld>
+  <p:clrMapOvr>
+    <a:masterClrMapping/>
+  </p:clrMapOvr>
+</p:notes>
+</file>
+
+<file path=ppt/notesSlides/notesSlide14.xml><?xml version="1.0" encoding="utf-8"?>
+<p:notes xmlns:a="http://schemas.openxmlformats.org/drawingml/2006/main" xmlns:r="http://schemas.openxmlformats.org/officeDocument/2006/relationships" xmlns:p="http://schemas.openxmlformats.org/presentationml/2006/main">
+  <p:cSld>
+    <p:spTree>
+      <p:nvGrpSpPr>
+        <p:cNvPr id="1" name=""/>
+        <p:cNvGrpSpPr/>
+        <p:nvPr/>
+      </p:nvGrpSpPr>
+      <p:grpSpPr>
+        <a:xfrm>
+          <a:off x="0" y="0"/>
+          <a:ext cx="0" cy="0"/>
+          <a:chOff x="0" y="0"/>
+          <a:chExt cx="0" cy="0"/>
+        </a:xfrm>
+      </p:grpSpPr>
+      <p:sp>
+        <p:nvSpPr>
+          <p:cNvPr id="2" name="Folienbildplatzhalter 1"/>
+          <p:cNvSpPr>
+            <a:spLocks noGrp="1" noRot="1" noChangeAspect="1"/>
+          </p:cNvSpPr>
+          <p:nvPr>
+            <p:ph type="sldImg"/>
+          </p:nvPr>
+        </p:nvSpPr>
+        <p:spPr/>
+      </p:sp>
+      <p:sp>
+        <p:nvSpPr>
+          <p:cNvPr id="3" name="Notizenplatzhalter 2"/>
+          <p:cNvSpPr>
+            <a:spLocks noGrp="1"/>
+          </p:cNvSpPr>
+          <p:nvPr>
+            <p:ph type="body" idx="1"/>
+          </p:nvPr>
+        </p:nvSpPr>
+        <p:spPr/>
+        <p:txBody>
+          <a:bodyPr/>
+          <a:lstStyle/>
+          <a:p>
+            <a:r>
+              <a:rPr lang="de-DE" dirty="0" err="1"/>
+              <a:t>Projektstukturplan</a:t>
+            </a:r>
+            <a:r>
+              <a:rPr lang="de-DE" dirty="0"/>
+              <a:t> erklären</a:t>
+            </a:r>
+          </a:p>
+        </p:txBody>
+      </p:sp>
+      <p:sp>
+        <p:nvSpPr>
+          <p:cNvPr id="4" name="Foliennummernplatzhalter 3"/>
+          <p:cNvSpPr>
+            <a:spLocks noGrp="1"/>
+          </p:cNvSpPr>
+          <p:nvPr>
+            <p:ph type="sldNum" sz="quarter" idx="5"/>
+          </p:nvPr>
+        </p:nvSpPr>
+        <p:spPr/>
+        <p:txBody>
+          <a:bodyPr/>
+          <a:lstStyle/>
+          <a:p>
+            <a:pPr>
+              <a:defRPr/>
+            </a:pPr>
+            <a:fld id="{8946FE85-8B7A-4F17-8729-2A3CAC076D73}" type="slidenum">
+              <a:rPr lang="de-DE" altLang="de-DE" smtClean="0"/>
+              <a:pPr>
+                <a:defRPr/>
+              </a:pPr>
+              <a:t>15</a:t>
+            </a:fld>
+            <a:endParaRPr lang="de-DE" altLang="de-DE"/>
+          </a:p>
+        </p:txBody>
+      </p:sp>
+    </p:spTree>
+    <p:extLst>
+      <p:ext uri="{BB962C8B-B14F-4D97-AF65-F5344CB8AC3E}">
+        <p14:creationId xmlns:p14="http://schemas.microsoft.com/office/powerpoint/2010/main" val="92494653"/>
+      </p:ext>
+    </p:extLst>
+  </p:cSld>
+  <p:clrMapOvr>
+    <a:masterClrMapping/>
+  </p:clrMapOvr>
+</p:notes>
+</file>
+
+<file path=ppt/notesSlides/notesSlide15.xml><?xml version="1.0" encoding="utf-8"?>
+<p:notes xmlns:a="http://schemas.openxmlformats.org/drawingml/2006/main" xmlns:r="http://schemas.openxmlformats.org/officeDocument/2006/relationships" xmlns:p="http://schemas.openxmlformats.org/presentationml/2006/main">
+  <p:cSld>
+    <p:spTree>
+      <p:nvGrpSpPr>
+        <p:cNvPr id="1" name=""/>
+        <p:cNvGrpSpPr/>
+        <p:nvPr/>
+      </p:nvGrpSpPr>
+      <p:grpSpPr>
+        <a:xfrm>
+          <a:off x="0" y="0"/>
+          <a:ext cx="0" cy="0"/>
+          <a:chOff x="0" y="0"/>
+          <a:chExt cx="0" cy="0"/>
+        </a:xfrm>
+      </p:grpSpPr>
+      <p:sp>
+        <p:nvSpPr>
+          <p:cNvPr id="2" name="Folienbildplatzhalter 1"/>
+          <p:cNvSpPr>
+            <a:spLocks noGrp="1" noRot="1" noChangeAspect="1"/>
+          </p:cNvSpPr>
+          <p:nvPr>
+            <p:ph type="sldImg"/>
+          </p:nvPr>
+        </p:nvSpPr>
+        <p:spPr/>
+      </p:sp>
+      <p:sp>
+        <p:nvSpPr>
+          <p:cNvPr id="3" name="Notizenplatzhalter 2"/>
+          <p:cNvSpPr>
+            <a:spLocks noGrp="1"/>
+          </p:cNvSpPr>
+          <p:nvPr>
+            <p:ph type="body" idx="1"/>
+          </p:nvPr>
+        </p:nvSpPr>
+        <p:spPr/>
+        <p:txBody>
+          <a:bodyPr/>
+          <a:lstStyle/>
+          <a:p>
+            <a:r>
+              <a:rPr lang="de-DE" dirty="0"/>
+              <a:t>Herr Jess Systemarchitekt mit den weiteren Folien</a:t>
+            </a:r>
+          </a:p>
+        </p:txBody>
+      </p:sp>
+      <p:sp>
+        <p:nvSpPr>
+          <p:cNvPr id="4" name="Foliennummernplatzhalter 3"/>
+          <p:cNvSpPr>
+            <a:spLocks noGrp="1"/>
+          </p:cNvSpPr>
+          <p:nvPr>
+            <p:ph type="sldNum" sz="quarter" idx="5"/>
+          </p:nvPr>
+        </p:nvSpPr>
+        <p:spPr/>
+        <p:txBody>
+          <a:bodyPr/>
+          <a:lstStyle/>
+          <a:p>
+            <a:pPr>
+              <a:defRPr/>
+            </a:pPr>
+            <a:fld id="{8946FE85-8B7A-4F17-8729-2A3CAC076D73}" type="slidenum">
+              <a:rPr lang="de-DE" altLang="de-DE" smtClean="0"/>
+              <a:pPr>
+                <a:defRPr/>
+              </a:pPr>
+              <a:t>16</a:t>
+            </a:fld>
+            <a:endParaRPr lang="de-DE" altLang="de-DE"/>
+          </a:p>
+        </p:txBody>
+      </p:sp>
+    </p:spTree>
+    <p:extLst>
+      <p:ext uri="{BB962C8B-B14F-4D97-AF65-F5344CB8AC3E}">
+        <p14:creationId xmlns:p14="http://schemas.microsoft.com/office/powerpoint/2010/main" val="1866432556"/>
+      </p:ext>
+    </p:extLst>
+  </p:cSld>
+  <p:clrMapOvr>
+    <a:masterClrMapping/>
+  </p:clrMapOvr>
+</p:notes>
+</file>
+
+<file path=ppt/notesSlides/notesSlide16.xml><?xml version="1.0" encoding="utf-8"?>
+<p:notes xmlns:a="http://schemas.openxmlformats.org/drawingml/2006/main" xmlns:r="http://schemas.openxmlformats.org/officeDocument/2006/relationships" xmlns:p="http://schemas.openxmlformats.org/presentationml/2006/main">
+  <p:cSld>
+    <p:spTree>
+      <p:nvGrpSpPr>
+        <p:cNvPr id="1" name=""/>
+        <p:cNvGrpSpPr/>
+        <p:nvPr/>
+      </p:nvGrpSpPr>
+      <p:grpSpPr>
+        <a:xfrm>
+          <a:off x="0" y="0"/>
+          <a:ext cx="0" cy="0"/>
+          <a:chOff x="0" y="0"/>
+          <a:chExt cx="0" cy="0"/>
+        </a:xfrm>
+      </p:grpSpPr>
+      <p:sp>
+        <p:nvSpPr>
+          <p:cNvPr id="2" name="Folienbildplatzhalter 1"/>
+          <p:cNvSpPr>
+            <a:spLocks noGrp="1" noRot="1" noChangeAspect="1"/>
+          </p:cNvSpPr>
+          <p:nvPr>
+            <p:ph type="sldImg"/>
+          </p:nvPr>
+        </p:nvSpPr>
+        <p:spPr/>
+      </p:sp>
+      <p:sp>
+        <p:nvSpPr>
+          <p:cNvPr id="3" name="Notizenplatzhalter 2"/>
+          <p:cNvSpPr>
+            <a:spLocks noGrp="1"/>
+          </p:cNvSpPr>
+          <p:nvPr>
+            <p:ph type="body" idx="1"/>
+          </p:nvPr>
+        </p:nvSpPr>
+        <p:spPr/>
+        <p:txBody>
+          <a:bodyPr/>
+          <a:lstStyle/>
+          <a:p>
+            <a:r>
+              <a:rPr lang="de-DE" dirty="0"/>
+              <a:t>Simon</a:t>
+            </a:r>
+          </a:p>
+        </p:txBody>
+      </p:sp>
+      <p:sp>
+        <p:nvSpPr>
+          <p:cNvPr id="4" name="Foliennummernplatzhalter 3"/>
+          <p:cNvSpPr>
+            <a:spLocks noGrp="1"/>
+          </p:cNvSpPr>
+          <p:nvPr>
+            <p:ph type="sldNum" sz="quarter" idx="5"/>
+          </p:nvPr>
+        </p:nvSpPr>
+        <p:spPr/>
+        <p:txBody>
+          <a:bodyPr/>
+          <a:lstStyle/>
+          <a:p>
+            <a:pPr>
+              <a:defRPr/>
+            </a:pPr>
+            <a:fld id="{8946FE85-8B7A-4F17-8729-2A3CAC076D73}" type="slidenum">
+              <a:rPr lang="de-DE" altLang="de-DE" smtClean="0"/>
+              <a:pPr>
+                <a:defRPr/>
+              </a:pPr>
+              <a:t>17</a:t>
+            </a:fld>
+            <a:endParaRPr lang="de-DE" altLang="de-DE"/>
+          </a:p>
+        </p:txBody>
+      </p:sp>
+    </p:spTree>
+    <p:extLst>
+      <p:ext uri="{BB962C8B-B14F-4D97-AF65-F5344CB8AC3E}">
+        <p14:creationId xmlns:p14="http://schemas.microsoft.com/office/powerpoint/2010/main" val="2033048524"/>
+      </p:ext>
+    </p:extLst>
+  </p:cSld>
+  <p:clrMapOvr>
+    <a:masterClrMapping/>
+  </p:clrMapOvr>
+</p:notes>
+</file>
+
+<file path=ppt/notesSlides/notesSlide17.xml><?xml version="1.0" encoding="utf-8"?>
+<p:notes xmlns:a="http://schemas.openxmlformats.org/drawingml/2006/main" xmlns:r="http://schemas.openxmlformats.org/officeDocument/2006/relationships" xmlns:p="http://schemas.openxmlformats.org/presentationml/2006/main">
+  <p:cSld>
+    <p:spTree>
+      <p:nvGrpSpPr>
+        <p:cNvPr id="1" name=""/>
+        <p:cNvGrpSpPr/>
+        <p:nvPr/>
+      </p:nvGrpSpPr>
+      <p:grpSpPr>
+        <a:xfrm>
+          <a:off x="0" y="0"/>
+          <a:ext cx="0" cy="0"/>
+          <a:chOff x="0" y="0"/>
+          <a:chExt cx="0" cy="0"/>
+        </a:xfrm>
+      </p:grpSpPr>
+      <p:sp>
+        <p:nvSpPr>
+          <p:cNvPr id="2" name="Folienbildplatzhalter 1"/>
+          <p:cNvSpPr>
+            <a:spLocks noGrp="1" noRot="1" noChangeAspect="1"/>
+          </p:cNvSpPr>
+          <p:nvPr>
+            <p:ph type="sldImg"/>
+          </p:nvPr>
+        </p:nvSpPr>
+        <p:spPr/>
+      </p:sp>
+      <p:sp>
+        <p:nvSpPr>
+          <p:cNvPr id="3" name="Notizenplatzhalter 2"/>
+          <p:cNvSpPr>
+            <a:spLocks noGrp="1"/>
+          </p:cNvSpPr>
+          <p:nvPr>
+            <p:ph type="body" idx="1"/>
+          </p:nvPr>
+        </p:nvSpPr>
+        <p:spPr/>
+        <p:txBody>
+          <a:bodyPr/>
+          <a:lstStyle/>
+          <a:p>
+            <a:r>
+              <a:rPr lang="de-DE" dirty="0"/>
+              <a:t>Simon</a:t>
+            </a:r>
+          </a:p>
+        </p:txBody>
+      </p:sp>
+      <p:sp>
+        <p:nvSpPr>
+          <p:cNvPr id="4" name="Foliennummernplatzhalter 3"/>
+          <p:cNvSpPr>
+            <a:spLocks noGrp="1"/>
+          </p:cNvSpPr>
+          <p:nvPr>
+            <p:ph type="sldNum" sz="quarter" idx="5"/>
+          </p:nvPr>
+        </p:nvSpPr>
+        <p:spPr/>
+        <p:txBody>
+          <a:bodyPr/>
+          <a:lstStyle/>
+          <a:p>
+            <a:pPr>
+              <a:defRPr/>
+            </a:pPr>
+            <a:fld id="{8946FE85-8B7A-4F17-8729-2A3CAC076D73}" type="slidenum">
+              <a:rPr lang="de-DE" altLang="de-DE" smtClean="0"/>
+              <a:pPr>
+                <a:defRPr/>
+              </a:pPr>
+              <a:t>18</a:t>
+            </a:fld>
+            <a:endParaRPr lang="de-DE" altLang="de-DE"/>
+          </a:p>
+        </p:txBody>
+      </p:sp>
+    </p:spTree>
+    <p:extLst>
+      <p:ext uri="{BB962C8B-B14F-4D97-AF65-F5344CB8AC3E}">
+        <p14:creationId xmlns:p14="http://schemas.microsoft.com/office/powerpoint/2010/main" val="2644911845"/>
+      </p:ext>
+    </p:extLst>
+  </p:cSld>
+  <p:clrMapOvr>
+    <a:masterClrMapping/>
+  </p:clrMapOvr>
+</p:notes>
+</file>
+
+<file path=ppt/notesSlides/notesSlide18.xml><?xml version="1.0" encoding="utf-8"?>
+<p:notes xmlns:a="http://schemas.openxmlformats.org/drawingml/2006/main" xmlns:r="http://schemas.openxmlformats.org/officeDocument/2006/relationships" xmlns:p="http://schemas.openxmlformats.org/presentationml/2006/main">
+  <p:cSld>
+    <p:spTree>
+      <p:nvGrpSpPr>
+        <p:cNvPr id="1" name=""/>
+        <p:cNvGrpSpPr/>
+        <p:nvPr/>
+      </p:nvGrpSpPr>
+      <p:grpSpPr>
+        <a:xfrm>
+          <a:off x="0" y="0"/>
+          <a:ext cx="0" cy="0"/>
+          <a:chOff x="0" y="0"/>
+          <a:chExt cx="0" cy="0"/>
+        </a:xfrm>
+      </p:grpSpPr>
+      <p:sp>
+        <p:nvSpPr>
+          <p:cNvPr id="2" name="Folienbildplatzhalter 1"/>
+          <p:cNvSpPr>
+            <a:spLocks noGrp="1" noRot="1" noChangeAspect="1"/>
+          </p:cNvSpPr>
+          <p:nvPr>
+            <p:ph type="sldImg"/>
+          </p:nvPr>
+        </p:nvSpPr>
+        <p:spPr/>
+      </p:sp>
+      <p:sp>
+        <p:nvSpPr>
+          <p:cNvPr id="3" name="Notizenplatzhalter 2"/>
+          <p:cNvSpPr>
+            <a:spLocks noGrp="1"/>
+          </p:cNvSpPr>
+          <p:nvPr>
+            <p:ph type="body" idx="1"/>
+          </p:nvPr>
+        </p:nvSpPr>
+        <p:spPr/>
+        <p:txBody>
+          <a:bodyPr/>
+          <a:lstStyle/>
+          <a:p>
+            <a:r>
+              <a:rPr lang="de-DE" dirty="0"/>
+              <a:t>Simon</a:t>
+            </a:r>
+          </a:p>
+        </p:txBody>
+      </p:sp>
+      <p:sp>
+        <p:nvSpPr>
+          <p:cNvPr id="4" name="Foliennummernplatzhalter 3"/>
+          <p:cNvSpPr>
+            <a:spLocks noGrp="1"/>
+          </p:cNvSpPr>
+          <p:nvPr>
+            <p:ph type="sldNum" sz="quarter" idx="5"/>
+          </p:nvPr>
+        </p:nvSpPr>
+        <p:spPr/>
+        <p:txBody>
+          <a:bodyPr/>
+          <a:lstStyle/>
+          <a:p>
+            <a:pPr>
+              <a:defRPr/>
+            </a:pPr>
+            <a:fld id="{8946FE85-8B7A-4F17-8729-2A3CAC076D73}" type="slidenum">
+              <a:rPr lang="de-DE" altLang="de-DE" smtClean="0"/>
+              <a:pPr>
+                <a:defRPr/>
+              </a:pPr>
+              <a:t>19</a:t>
+            </a:fld>
+            <a:endParaRPr lang="de-DE" altLang="de-DE"/>
+          </a:p>
+        </p:txBody>
+      </p:sp>
+    </p:spTree>
+    <p:extLst>
+      <p:ext uri="{BB962C8B-B14F-4D97-AF65-F5344CB8AC3E}">
+        <p14:creationId xmlns:p14="http://schemas.microsoft.com/office/powerpoint/2010/main" val="61318972"/>
+      </p:ext>
+    </p:extLst>
+  </p:cSld>
+  <p:clrMapOvr>
+    <a:masterClrMapping/>
+  </p:clrMapOvr>
+</p:notes>
+</file>
+
+<file path=ppt/notesSlides/notesSlide19.xml><?xml version="1.0" encoding="utf-8"?>
+<p:notes xmlns:a="http://schemas.openxmlformats.org/drawingml/2006/main" xmlns:r="http://schemas.openxmlformats.org/officeDocument/2006/relationships" xmlns:p="http://schemas.openxmlformats.org/presentationml/2006/main">
+  <p:cSld>
+    <p:spTree>
+      <p:nvGrpSpPr>
+        <p:cNvPr id="1" name=""/>
+        <p:cNvGrpSpPr/>
+        <p:nvPr/>
+      </p:nvGrpSpPr>
+      <p:grpSpPr>
+        <a:xfrm>
+          <a:off x="0" y="0"/>
+          <a:ext cx="0" cy="0"/>
+          <a:chOff x="0" y="0"/>
+          <a:chExt cx="0" cy="0"/>
+        </a:xfrm>
+      </p:grpSpPr>
+      <p:sp>
+        <p:nvSpPr>
+          <p:cNvPr id="2" name="Folienbildplatzhalter 1"/>
+          <p:cNvSpPr>
+            <a:spLocks noGrp="1" noRot="1" noChangeAspect="1"/>
+          </p:cNvSpPr>
+          <p:nvPr>
+            <p:ph type="sldImg"/>
+          </p:nvPr>
+        </p:nvSpPr>
+        <p:spPr/>
+      </p:sp>
+      <p:sp>
+        <p:nvSpPr>
+          <p:cNvPr id="3" name="Notizenplatzhalter 2"/>
+          <p:cNvSpPr>
+            <a:spLocks noGrp="1"/>
+          </p:cNvSpPr>
+          <p:nvPr>
+            <p:ph type="body" idx="1"/>
+          </p:nvPr>
+        </p:nvSpPr>
+        <p:spPr/>
+        <p:txBody>
+          <a:bodyPr/>
+          <a:lstStyle/>
+          <a:p>
+            <a:r>
+              <a:rPr lang="de-DE" dirty="0"/>
+              <a:t>Simon</a:t>
+            </a:r>
+          </a:p>
+        </p:txBody>
+      </p:sp>
+      <p:sp>
+        <p:nvSpPr>
+          <p:cNvPr id="4" name="Foliennummernplatzhalter 3"/>
+          <p:cNvSpPr>
+            <a:spLocks noGrp="1"/>
+          </p:cNvSpPr>
+          <p:nvPr>
+            <p:ph type="sldNum" sz="quarter" idx="5"/>
+          </p:nvPr>
+        </p:nvSpPr>
+        <p:spPr/>
+        <p:txBody>
+          <a:bodyPr/>
+          <a:lstStyle/>
+          <a:p>
+            <a:pPr>
+              <a:defRPr/>
+            </a:pPr>
+            <a:fld id="{8946FE85-8B7A-4F17-8729-2A3CAC076D73}" type="slidenum">
+              <a:rPr lang="de-DE" altLang="de-DE" smtClean="0"/>
+              <a:pPr>
+                <a:defRPr/>
+              </a:pPr>
+              <a:t>20</a:t>
+            </a:fld>
+            <a:endParaRPr lang="de-DE" altLang="de-DE"/>
+          </a:p>
+        </p:txBody>
+      </p:sp>
+    </p:spTree>
+    <p:extLst>
+      <p:ext uri="{BB962C8B-B14F-4D97-AF65-F5344CB8AC3E}">
+        <p14:creationId xmlns:p14="http://schemas.microsoft.com/office/powerpoint/2010/main" val="3502186457"/>
+      </p:ext>
+    </p:extLst>
+  </p:cSld>
+  <p:clrMapOvr>
+    <a:masterClrMapping/>
+  </p:clrMapOvr>
+</p:notes>
+</file>
+
+<file path=ppt/notesSlides/notesSlide2.xml><?xml version="1.0" encoding="utf-8"?>
+<p:notes xmlns:a="http://schemas.openxmlformats.org/drawingml/2006/main" xmlns:r="http://schemas.openxmlformats.org/officeDocument/2006/relationships" xmlns:p="http://schemas.openxmlformats.org/presentationml/2006/main">
+  <p:cSld>
+    <p:spTree>
+      <p:nvGrpSpPr>
+        <p:cNvPr id="1" name=""/>
+        <p:cNvGrpSpPr/>
+        <p:nvPr/>
+      </p:nvGrpSpPr>
+      <p:grpSpPr>
+        <a:xfrm>
+          <a:off x="0" y="0"/>
+          <a:ext cx="0" cy="0"/>
+          <a:chOff x="0" y="0"/>
+          <a:chExt cx="0" cy="0"/>
+        </a:xfrm>
+      </p:grpSpPr>
+      <p:sp>
+        <p:nvSpPr>
+          <p:cNvPr id="2" name="Folienbildplatzhalter 1"/>
+          <p:cNvSpPr>
+            <a:spLocks noGrp="1" noRot="1" noChangeAspect="1"/>
+          </p:cNvSpPr>
+          <p:nvPr>
+            <p:ph type="sldImg"/>
+          </p:nvPr>
+        </p:nvSpPr>
+        <p:spPr/>
+      </p:sp>
+      <p:sp>
+        <p:nvSpPr>
+          <p:cNvPr id="3" name="Notizenplatzhalter 2"/>
+          <p:cNvSpPr>
+            <a:spLocks noGrp="1"/>
+          </p:cNvSpPr>
+          <p:nvPr>
+            <p:ph type="body" idx="1"/>
+          </p:nvPr>
+        </p:nvSpPr>
+        <p:spPr/>
+        <p:txBody>
+          <a:bodyPr/>
+          <a:lstStyle/>
+          <a:p>
+            <a:r>
+              <a:rPr lang="de-DE" dirty="0"/>
+              <a:t>Was ist:</a:t>
+            </a:r>
+          </a:p>
+          <a:p>
+            <a:r>
+              <a:rPr lang="de-DE" dirty="0"/>
+              <a:t>Modelling Wizzard </a:t>
+            </a:r>
+            <a:r>
+              <a:rPr lang="de-DE" dirty="0" err="1"/>
+              <a:t>for</a:t>
+            </a:r>
+            <a:r>
+              <a:rPr lang="de-DE" dirty="0"/>
+              <a:t> Device </a:t>
+            </a:r>
+            <a:r>
+              <a:rPr lang="de-DE" dirty="0" err="1"/>
+              <a:t>Descriptions</a:t>
+            </a:r>
+            <a:r>
+              <a:rPr lang="de-DE" dirty="0"/>
+              <a:t> ?</a:t>
+            </a:r>
+          </a:p>
+        </p:txBody>
+      </p:sp>
+      <p:sp>
+        <p:nvSpPr>
+          <p:cNvPr id="4" name="Foliennummernplatzhalter 3"/>
+          <p:cNvSpPr>
+            <a:spLocks noGrp="1"/>
+          </p:cNvSpPr>
+          <p:nvPr>
+            <p:ph type="sldNum" sz="quarter" idx="5"/>
+          </p:nvPr>
+        </p:nvSpPr>
+        <p:spPr/>
+        <p:txBody>
+          <a:bodyPr/>
+          <a:lstStyle/>
+          <a:p>
+            <a:pPr>
+              <a:defRPr/>
+            </a:pPr>
+            <a:fld id="{8946FE85-8B7A-4F17-8729-2A3CAC076D73}" type="slidenum">
+              <a:rPr lang="de-DE" altLang="de-DE" smtClean="0"/>
+              <a:pPr>
+                <a:defRPr/>
+              </a:pPr>
+              <a:t>3</a:t>
+            </a:fld>
+            <a:endParaRPr lang="de-DE" altLang="de-DE"/>
+          </a:p>
+        </p:txBody>
+      </p:sp>
+    </p:spTree>
+    <p:extLst>
+      <p:ext uri="{BB962C8B-B14F-4D97-AF65-F5344CB8AC3E}">
+        <p14:creationId xmlns:p14="http://schemas.microsoft.com/office/powerpoint/2010/main" val="3316929504"/>
+      </p:ext>
+    </p:extLst>
+  </p:cSld>
+  <p:clrMapOvr>
+    <a:masterClrMapping/>
+  </p:clrMapOvr>
+</p:notes>
+</file>
+
+<file path=ppt/notesSlides/notesSlide20.xml><?xml version="1.0" encoding="utf-8"?>
+<p:notes xmlns:a="http://schemas.openxmlformats.org/drawingml/2006/main" xmlns:r="http://schemas.openxmlformats.org/officeDocument/2006/relationships" xmlns:p="http://schemas.openxmlformats.org/presentationml/2006/main">
+  <p:cSld>
+    <p:spTree>
+      <p:nvGrpSpPr>
+        <p:cNvPr id="1" name=""/>
+        <p:cNvGrpSpPr/>
+        <p:nvPr/>
+      </p:nvGrpSpPr>
+      <p:grpSpPr>
+        <a:xfrm>
+          <a:off x="0" y="0"/>
+          <a:ext cx="0" cy="0"/>
+          <a:chOff x="0" y="0"/>
+          <a:chExt cx="0" cy="0"/>
+        </a:xfrm>
+      </p:grpSpPr>
+      <p:sp>
+        <p:nvSpPr>
+          <p:cNvPr id="2" name="Folienbildplatzhalter 1"/>
+          <p:cNvSpPr>
+            <a:spLocks noGrp="1" noRot="1" noChangeAspect="1"/>
+          </p:cNvSpPr>
+          <p:nvPr>
+            <p:ph type="sldImg"/>
+          </p:nvPr>
+        </p:nvSpPr>
+        <p:spPr/>
+      </p:sp>
+      <p:sp>
+        <p:nvSpPr>
+          <p:cNvPr id="3" name="Notizenplatzhalter 2"/>
+          <p:cNvSpPr>
+            <a:spLocks noGrp="1"/>
+          </p:cNvSpPr>
+          <p:nvPr>
+            <p:ph type="body" idx="1"/>
+          </p:nvPr>
+        </p:nvSpPr>
+        <p:spPr/>
+        <p:txBody>
+          <a:bodyPr/>
+          <a:lstStyle/>
+          <a:p>
+            <a:r>
+              <a:rPr lang="de-DE" dirty="0"/>
+              <a:t>Danke Herr Jess </a:t>
+            </a:r>
+          </a:p>
+          <a:p>
+            <a:endParaRPr lang="de-DE" dirty="0"/>
+          </a:p>
+          <a:p>
+            <a:r>
+              <a:rPr lang="de-DE" dirty="0"/>
+              <a:t>„Wer keine Fragen stellt ist Ehre.“ – Uwe </a:t>
+            </a:r>
+            <a:r>
+              <a:rPr lang="de-DE" dirty="0" err="1"/>
+              <a:t>Osterrieder</a:t>
+            </a:r>
+            <a:endParaRPr lang="de-DE" dirty="0"/>
+          </a:p>
+        </p:txBody>
+      </p:sp>
+      <p:sp>
+        <p:nvSpPr>
+          <p:cNvPr id="4" name="Foliennummernplatzhalter 3"/>
+          <p:cNvSpPr>
+            <a:spLocks noGrp="1"/>
+          </p:cNvSpPr>
+          <p:nvPr>
+            <p:ph type="sldNum" sz="quarter" idx="5"/>
+          </p:nvPr>
+        </p:nvSpPr>
+        <p:spPr/>
+        <p:txBody>
+          <a:bodyPr/>
+          <a:lstStyle/>
+          <a:p>
+            <a:pPr>
+              <a:defRPr/>
+            </a:pPr>
+            <a:fld id="{8946FE85-8B7A-4F17-8729-2A3CAC076D73}" type="slidenum">
+              <a:rPr lang="de-DE" altLang="de-DE" smtClean="0"/>
+              <a:pPr>
+                <a:defRPr/>
+              </a:pPr>
+              <a:t>21</a:t>
+            </a:fld>
+            <a:endParaRPr lang="de-DE" altLang="de-DE"/>
+          </a:p>
+        </p:txBody>
+      </p:sp>
+    </p:spTree>
+    <p:extLst>
+      <p:ext uri="{BB962C8B-B14F-4D97-AF65-F5344CB8AC3E}">
+        <p14:creationId xmlns:p14="http://schemas.microsoft.com/office/powerpoint/2010/main" val="3260683794"/>
+      </p:ext>
+    </p:extLst>
+  </p:cSld>
+  <p:clrMapOvr>
+    <a:masterClrMapping/>
+  </p:clrMapOvr>
+</p:notes>
+</file>
+
+<file path=ppt/notesSlides/notesSlide3.xml><?xml version="1.0" encoding="utf-8"?>
+<p:notes xmlns:a="http://schemas.openxmlformats.org/drawingml/2006/main" xmlns:r="http://schemas.openxmlformats.org/officeDocument/2006/relationships" xmlns:p="http://schemas.openxmlformats.org/presentationml/2006/main">
+  <p:cSld>
+    <p:spTree>
+      <p:nvGrpSpPr>
+        <p:cNvPr id="1" name=""/>
+        <p:cNvGrpSpPr/>
+        <p:nvPr/>
+      </p:nvGrpSpPr>
+      <p:grpSpPr>
+        <a:xfrm>
+          <a:off x="0" y="0"/>
+          <a:ext cx="0" cy="0"/>
+          <a:chOff x="0" y="0"/>
+          <a:chExt cx="0" cy="0"/>
+        </a:xfrm>
+      </p:grpSpPr>
+      <p:sp>
+        <p:nvSpPr>
+          <p:cNvPr id="2" name="Folienbildplatzhalter 1"/>
+          <p:cNvSpPr>
+            <a:spLocks noGrp="1" noRot="1" noChangeAspect="1"/>
+          </p:cNvSpPr>
+          <p:nvPr>
+            <p:ph type="sldImg"/>
+          </p:nvPr>
+        </p:nvSpPr>
+        <p:spPr/>
+      </p:sp>
+      <p:sp>
+        <p:nvSpPr>
+          <p:cNvPr id="3" name="Notizenplatzhalter 2"/>
+          <p:cNvSpPr>
+            <a:spLocks noGrp="1"/>
+          </p:cNvSpPr>
+          <p:nvPr>
+            <p:ph type="body" idx="1"/>
+          </p:nvPr>
+        </p:nvSpPr>
+        <p:spPr/>
+        <p:txBody>
+          <a:bodyPr/>
+          <a:lstStyle/>
+          <a:p>
+            <a:r>
+              <a:rPr lang="de-DE" dirty="0"/>
+              <a:t>Aber warum gibt es das Projekt überhaupt?</a:t>
+            </a:r>
+          </a:p>
+          <a:p>
+            <a:endParaRPr lang="de-DE" dirty="0"/>
+          </a:p>
+          <a:p>
+            <a:endParaRPr lang="de-DE" dirty="0"/>
+          </a:p>
+          <a:p>
+            <a:r>
+              <a:rPr lang="de-DE" b="1" dirty="0"/>
+              <a:t>WICHTIG:</a:t>
+            </a:r>
+            <a:r>
+              <a:rPr lang="de-DE" dirty="0"/>
+              <a:t> Vorgängerprojekt übernommen</a:t>
+            </a:r>
+          </a:p>
+          <a:p>
+            <a:endParaRPr lang="de-DE" dirty="0"/>
+          </a:p>
+        </p:txBody>
+      </p:sp>
+      <p:sp>
+        <p:nvSpPr>
+          <p:cNvPr id="4" name="Foliennummernplatzhalter 3"/>
+          <p:cNvSpPr>
+            <a:spLocks noGrp="1"/>
+          </p:cNvSpPr>
+          <p:nvPr>
+            <p:ph type="sldNum" sz="quarter" idx="5"/>
+          </p:nvPr>
+        </p:nvSpPr>
+        <p:spPr/>
+        <p:txBody>
+          <a:bodyPr/>
+          <a:lstStyle/>
+          <a:p>
+            <a:pPr>
+              <a:defRPr/>
+            </a:pPr>
+            <a:fld id="{8946FE85-8B7A-4F17-8729-2A3CAC076D73}" type="slidenum">
+              <a:rPr lang="de-DE" altLang="de-DE" smtClean="0"/>
+              <a:pPr>
+                <a:defRPr/>
+              </a:pPr>
+              <a:t>4</a:t>
+            </a:fld>
+            <a:endParaRPr lang="de-DE" altLang="de-DE"/>
+          </a:p>
+        </p:txBody>
+      </p:sp>
+    </p:spTree>
+    <p:extLst>
+      <p:ext uri="{BB962C8B-B14F-4D97-AF65-F5344CB8AC3E}">
+        <p14:creationId xmlns:p14="http://schemas.microsoft.com/office/powerpoint/2010/main" val="1478454001"/>
+      </p:ext>
+    </p:extLst>
+  </p:cSld>
+  <p:clrMapOvr>
+    <a:masterClrMapping/>
+  </p:clrMapOvr>
+</p:notes>
+</file>
+
+<file path=ppt/notesSlides/notesSlide4.xml><?xml version="1.0" encoding="utf-8"?>
+<p:notes xmlns:a="http://schemas.openxmlformats.org/drawingml/2006/main" xmlns:r="http://schemas.openxmlformats.org/officeDocument/2006/relationships" xmlns:p="http://schemas.openxmlformats.org/presentationml/2006/main">
+  <p:cSld>
+    <p:spTree>
+      <p:nvGrpSpPr>
+        <p:cNvPr id="1" name=""/>
+        <p:cNvGrpSpPr/>
+        <p:nvPr/>
+      </p:nvGrpSpPr>
+      <p:grpSpPr>
+        <a:xfrm>
+          <a:off x="0" y="0"/>
+          <a:ext cx="0" cy="0"/>
+          <a:chOff x="0" y="0"/>
+          <a:chExt cx="0" cy="0"/>
+        </a:xfrm>
+      </p:grpSpPr>
+      <p:sp>
+        <p:nvSpPr>
+          <p:cNvPr id="2" name="Folienbildplatzhalter 1"/>
+          <p:cNvSpPr>
+            <a:spLocks noGrp="1" noRot="1" noChangeAspect="1"/>
+          </p:cNvSpPr>
+          <p:nvPr>
+            <p:ph type="sldImg"/>
+          </p:nvPr>
+        </p:nvSpPr>
+        <p:spPr/>
+      </p:sp>
+      <p:sp>
+        <p:nvSpPr>
+          <p:cNvPr id="3" name="Notizenplatzhalter 2"/>
+          <p:cNvSpPr>
+            <a:spLocks noGrp="1"/>
+          </p:cNvSpPr>
+          <p:nvPr>
+            <p:ph type="body" idx="1"/>
+          </p:nvPr>
+        </p:nvSpPr>
+        <p:spPr/>
+        <p:txBody>
+          <a:bodyPr/>
+          <a:lstStyle/>
+          <a:p>
+            <a:r>
+              <a:rPr lang="de-DE" dirty="0"/>
+              <a:t>Herr </a:t>
+            </a:r>
+            <a:r>
+              <a:rPr lang="de-DE" dirty="0" err="1"/>
+              <a:t>Zaoral</a:t>
+            </a:r>
+            <a:r>
+              <a:rPr lang="de-DE" dirty="0"/>
+              <a:t> unser Produktmanager</a:t>
+            </a:r>
+          </a:p>
+        </p:txBody>
+      </p:sp>
+      <p:sp>
+        <p:nvSpPr>
+          <p:cNvPr id="4" name="Foliennummernplatzhalter 3"/>
+          <p:cNvSpPr>
+            <a:spLocks noGrp="1"/>
+          </p:cNvSpPr>
+          <p:nvPr>
+            <p:ph type="sldNum" sz="quarter" idx="5"/>
+          </p:nvPr>
+        </p:nvSpPr>
+        <p:spPr/>
+        <p:txBody>
+          <a:bodyPr/>
+          <a:lstStyle/>
+          <a:p>
+            <a:pPr>
+              <a:defRPr/>
+            </a:pPr>
+            <a:fld id="{8946FE85-8B7A-4F17-8729-2A3CAC076D73}" type="slidenum">
+              <a:rPr lang="de-DE" altLang="de-DE" smtClean="0"/>
+              <a:pPr>
+                <a:defRPr/>
+              </a:pPr>
+              <a:t>5</a:t>
+            </a:fld>
+            <a:endParaRPr lang="de-DE" altLang="de-DE"/>
+          </a:p>
+        </p:txBody>
+      </p:sp>
+    </p:spTree>
+    <p:extLst>
+      <p:ext uri="{BB962C8B-B14F-4D97-AF65-F5344CB8AC3E}">
+        <p14:creationId xmlns:p14="http://schemas.microsoft.com/office/powerpoint/2010/main" val="998854138"/>
+      </p:ext>
+    </p:extLst>
+  </p:cSld>
+  <p:clrMapOvr>
+    <a:masterClrMapping/>
+  </p:clrMapOvr>
+</p:notes>
+</file>
+
+<file path=ppt/notesSlides/notesSlide5.xml><?xml version="1.0" encoding="utf-8"?>
+<p:notes xmlns:a="http://schemas.openxmlformats.org/drawingml/2006/main" xmlns:r="http://schemas.openxmlformats.org/officeDocument/2006/relationships" xmlns:p="http://schemas.openxmlformats.org/presentationml/2006/main">
+  <p:cSld>
+    <p:spTree>
+      <p:nvGrpSpPr>
+        <p:cNvPr id="1" name=""/>
+        <p:cNvGrpSpPr/>
+        <p:nvPr/>
+      </p:nvGrpSpPr>
+      <p:grpSpPr>
+        <a:xfrm>
+          <a:off x="0" y="0"/>
+          <a:ext cx="0" cy="0"/>
+          <a:chOff x="0" y="0"/>
+          <a:chExt cx="0" cy="0"/>
+        </a:xfrm>
+      </p:grpSpPr>
+      <p:sp>
+        <p:nvSpPr>
+          <p:cNvPr id="2" name="Folienbildplatzhalter 1"/>
+          <p:cNvSpPr>
+            <a:spLocks noGrp="1" noRot="1" noChangeAspect="1"/>
+          </p:cNvSpPr>
+          <p:nvPr>
+            <p:ph type="sldImg"/>
+          </p:nvPr>
+        </p:nvSpPr>
+        <p:spPr/>
+      </p:sp>
+      <p:sp>
+        <p:nvSpPr>
+          <p:cNvPr id="3" name="Notizenplatzhalter 2"/>
+          <p:cNvSpPr>
+            <a:spLocks noGrp="1"/>
+          </p:cNvSpPr>
+          <p:nvPr>
+            <p:ph type="body" idx="1"/>
+          </p:nvPr>
+        </p:nvSpPr>
+        <p:spPr/>
+        <p:txBody>
+          <a:bodyPr/>
+          <a:lstStyle/>
+          <a:p>
+            <a:r>
+              <a:rPr lang="de-DE" dirty="0"/>
+              <a:t>Timo</a:t>
+            </a:r>
+          </a:p>
+        </p:txBody>
+      </p:sp>
+      <p:sp>
+        <p:nvSpPr>
+          <p:cNvPr id="4" name="Foliennummernplatzhalter 3"/>
+          <p:cNvSpPr>
+            <a:spLocks noGrp="1"/>
+          </p:cNvSpPr>
+          <p:nvPr>
+            <p:ph type="sldNum" sz="quarter" idx="5"/>
+          </p:nvPr>
+        </p:nvSpPr>
+        <p:spPr/>
+        <p:txBody>
+          <a:bodyPr/>
+          <a:lstStyle/>
+          <a:p>
+            <a:pPr>
+              <a:defRPr/>
+            </a:pPr>
+            <a:fld id="{8946FE85-8B7A-4F17-8729-2A3CAC076D73}" type="slidenum">
+              <a:rPr lang="de-DE" altLang="de-DE" smtClean="0"/>
+              <a:pPr>
+                <a:defRPr/>
+              </a:pPr>
+              <a:t>6</a:t>
+            </a:fld>
+            <a:endParaRPr lang="de-DE" altLang="de-DE"/>
+          </a:p>
+        </p:txBody>
+      </p:sp>
+    </p:spTree>
+    <p:extLst>
+      <p:ext uri="{BB962C8B-B14F-4D97-AF65-F5344CB8AC3E}">
+        <p14:creationId xmlns:p14="http://schemas.microsoft.com/office/powerpoint/2010/main" val="677554560"/>
+      </p:ext>
+    </p:extLst>
+  </p:cSld>
+  <p:clrMapOvr>
+    <a:masterClrMapping/>
+  </p:clrMapOvr>
+</p:notes>
+</file>
+
+<file path=ppt/notesSlides/notesSlide6.xml><?xml version="1.0" encoding="utf-8"?>
+<p:notes xmlns:a="http://schemas.openxmlformats.org/drawingml/2006/main" xmlns:r="http://schemas.openxmlformats.org/officeDocument/2006/relationships" xmlns:p="http://schemas.openxmlformats.org/presentationml/2006/main">
+  <p:cSld>
+    <p:spTree>
+      <p:nvGrpSpPr>
+        <p:cNvPr id="1" name=""/>
+        <p:cNvGrpSpPr/>
+        <p:nvPr/>
+      </p:nvGrpSpPr>
+      <p:grpSpPr>
+        <a:xfrm>
+          <a:off x="0" y="0"/>
+          <a:ext cx="0" cy="0"/>
+          <a:chOff x="0" y="0"/>
+          <a:chExt cx="0" cy="0"/>
+        </a:xfrm>
+      </p:grpSpPr>
+      <p:sp>
+        <p:nvSpPr>
+          <p:cNvPr id="2" name="Folienbildplatzhalter 1"/>
+          <p:cNvSpPr>
+            <a:spLocks noGrp="1" noRot="1" noChangeAspect="1"/>
+          </p:cNvSpPr>
+          <p:nvPr>
+            <p:ph type="sldImg"/>
+          </p:nvPr>
+        </p:nvSpPr>
+        <p:spPr/>
+      </p:sp>
+      <p:sp>
+        <p:nvSpPr>
+          <p:cNvPr id="3" name="Notizenplatzhalter 2"/>
+          <p:cNvSpPr>
+            <a:spLocks noGrp="1"/>
+          </p:cNvSpPr>
+          <p:nvPr>
+            <p:ph type="body" idx="1"/>
+          </p:nvPr>
+        </p:nvSpPr>
+        <p:spPr/>
+        <p:txBody>
+          <a:bodyPr/>
+          <a:lstStyle/>
+          <a:p>
+            <a:r>
+              <a:rPr lang="de-DE" dirty="0"/>
+              <a:t>Timo</a:t>
+            </a:r>
+          </a:p>
+        </p:txBody>
+      </p:sp>
+      <p:sp>
+        <p:nvSpPr>
+          <p:cNvPr id="4" name="Foliennummernplatzhalter 3"/>
+          <p:cNvSpPr>
+            <a:spLocks noGrp="1"/>
+          </p:cNvSpPr>
+          <p:nvPr>
+            <p:ph type="sldNum" sz="quarter" idx="5"/>
+          </p:nvPr>
+        </p:nvSpPr>
+        <p:spPr/>
+        <p:txBody>
+          <a:bodyPr/>
+          <a:lstStyle/>
+          <a:p>
+            <a:pPr>
+              <a:defRPr/>
+            </a:pPr>
+            <a:fld id="{8946FE85-8B7A-4F17-8729-2A3CAC076D73}" type="slidenum">
+              <a:rPr lang="de-DE" altLang="de-DE" smtClean="0"/>
+              <a:pPr>
+                <a:defRPr/>
+              </a:pPr>
+              <a:t>7</a:t>
+            </a:fld>
+            <a:endParaRPr lang="de-DE" altLang="de-DE"/>
+          </a:p>
+        </p:txBody>
+      </p:sp>
+    </p:spTree>
+    <p:extLst>
+      <p:ext uri="{BB962C8B-B14F-4D97-AF65-F5344CB8AC3E}">
+        <p14:creationId xmlns:p14="http://schemas.microsoft.com/office/powerpoint/2010/main" val="2936018"/>
+      </p:ext>
+    </p:extLst>
+  </p:cSld>
+  <p:clrMapOvr>
+    <a:masterClrMapping/>
+  </p:clrMapOvr>
+</p:notes>
+</file>
+
+<file path=ppt/notesSlides/notesSlide7.xml><?xml version="1.0" encoding="utf-8"?>
+<p:notes xmlns:a="http://schemas.openxmlformats.org/drawingml/2006/main" xmlns:r="http://schemas.openxmlformats.org/officeDocument/2006/relationships" xmlns:p="http://schemas.openxmlformats.org/presentationml/2006/main">
+  <p:cSld>
+    <p:spTree>
+      <p:nvGrpSpPr>
+        <p:cNvPr id="1" name=""/>
+        <p:cNvGrpSpPr/>
+        <p:nvPr/>
+      </p:nvGrpSpPr>
+      <p:grpSpPr>
+        <a:xfrm>
+          <a:off x="0" y="0"/>
+          <a:ext cx="0" cy="0"/>
+          <a:chOff x="0" y="0"/>
+          <a:chExt cx="0" cy="0"/>
+        </a:xfrm>
+      </p:grpSpPr>
+      <p:sp>
+        <p:nvSpPr>
+          <p:cNvPr id="2" name="Folienbildplatzhalter 1"/>
+          <p:cNvSpPr>
+            <a:spLocks noGrp="1" noRot="1" noChangeAspect="1"/>
+          </p:cNvSpPr>
+          <p:nvPr>
+            <p:ph type="sldImg"/>
+          </p:nvPr>
+        </p:nvSpPr>
+        <p:spPr/>
+      </p:sp>
+      <p:sp>
+        <p:nvSpPr>
+          <p:cNvPr id="3" name="Notizenplatzhalter 2"/>
+          <p:cNvSpPr>
+            <a:spLocks noGrp="1"/>
+          </p:cNvSpPr>
+          <p:nvPr>
+            <p:ph type="body" idx="1"/>
+          </p:nvPr>
+        </p:nvSpPr>
+        <p:spPr/>
+        <p:txBody>
+          <a:bodyPr/>
+          <a:lstStyle/>
+          <a:p>
+            <a:r>
+              <a:rPr lang="de-DE" dirty="0"/>
+              <a:t>Timo</a:t>
+            </a:r>
+          </a:p>
+        </p:txBody>
+      </p:sp>
+      <p:sp>
+        <p:nvSpPr>
+          <p:cNvPr id="4" name="Foliennummernplatzhalter 3"/>
+          <p:cNvSpPr>
+            <a:spLocks noGrp="1"/>
+          </p:cNvSpPr>
+          <p:nvPr>
+            <p:ph type="sldNum" sz="quarter" idx="5"/>
+          </p:nvPr>
+        </p:nvSpPr>
+        <p:spPr/>
+        <p:txBody>
+          <a:bodyPr/>
+          <a:lstStyle/>
+          <a:p>
+            <a:pPr>
+              <a:defRPr/>
+            </a:pPr>
+            <a:fld id="{8946FE85-8B7A-4F17-8729-2A3CAC076D73}" type="slidenum">
+              <a:rPr lang="de-DE" altLang="de-DE" smtClean="0"/>
+              <a:pPr>
+                <a:defRPr/>
+              </a:pPr>
+              <a:t>8</a:t>
+            </a:fld>
+            <a:endParaRPr lang="de-DE" altLang="de-DE"/>
+          </a:p>
+        </p:txBody>
+      </p:sp>
+    </p:spTree>
+    <p:extLst>
+      <p:ext uri="{BB962C8B-B14F-4D97-AF65-F5344CB8AC3E}">
+        <p14:creationId xmlns:p14="http://schemas.microsoft.com/office/powerpoint/2010/main" val="1986863348"/>
+      </p:ext>
+    </p:extLst>
+  </p:cSld>
+  <p:clrMapOvr>
+    <a:masterClrMapping/>
+  </p:clrMapOvr>
+</p:notes>
+</file>
+
+<file path=ppt/notesSlides/notesSlide8.xml><?xml version="1.0" encoding="utf-8"?>
+<p:notes xmlns:a="http://schemas.openxmlformats.org/drawingml/2006/main" xmlns:r="http://schemas.openxmlformats.org/officeDocument/2006/relationships" xmlns:p="http://schemas.openxmlformats.org/presentationml/2006/main">
+  <p:cSld>
+    <p:spTree>
+      <p:nvGrpSpPr>
+        <p:cNvPr id="1" name=""/>
+        <p:cNvGrpSpPr/>
+        <p:nvPr/>
+      </p:nvGrpSpPr>
+      <p:grpSpPr>
+        <a:xfrm>
+          <a:off x="0" y="0"/>
+          <a:ext cx="0" cy="0"/>
+          <a:chOff x="0" y="0"/>
+          <a:chExt cx="0" cy="0"/>
+        </a:xfrm>
+      </p:grpSpPr>
+      <p:sp>
+        <p:nvSpPr>
+          <p:cNvPr id="2" name="Folienbildplatzhalter 1"/>
+          <p:cNvSpPr>
+            <a:spLocks noGrp="1" noRot="1" noChangeAspect="1"/>
+          </p:cNvSpPr>
+          <p:nvPr>
+            <p:ph type="sldImg"/>
+          </p:nvPr>
+        </p:nvSpPr>
+        <p:spPr/>
+      </p:sp>
+      <p:sp>
+        <p:nvSpPr>
+          <p:cNvPr id="3" name="Notizenplatzhalter 2"/>
+          <p:cNvSpPr>
+            <a:spLocks noGrp="1"/>
+          </p:cNvSpPr>
+          <p:nvPr>
+            <p:ph type="body" idx="1"/>
+          </p:nvPr>
+        </p:nvSpPr>
+        <p:spPr/>
+        <p:txBody>
+          <a:bodyPr/>
+          <a:lstStyle/>
+          <a:p>
+            <a:r>
+              <a:rPr lang="de-DE" dirty="0"/>
+              <a:t>Business Case für die Angebotssumme an den Kunden</a:t>
+            </a:r>
+          </a:p>
+        </p:txBody>
+      </p:sp>
+      <p:sp>
+        <p:nvSpPr>
+          <p:cNvPr id="4" name="Foliennummernplatzhalter 3"/>
+          <p:cNvSpPr>
+            <a:spLocks noGrp="1"/>
+          </p:cNvSpPr>
+          <p:nvPr>
+            <p:ph type="sldNum" sz="quarter" idx="5"/>
+          </p:nvPr>
+        </p:nvSpPr>
+        <p:spPr/>
+        <p:txBody>
+          <a:bodyPr/>
+          <a:lstStyle/>
+          <a:p>
+            <a:pPr>
+              <a:defRPr/>
+            </a:pPr>
+            <a:fld id="{8946FE85-8B7A-4F17-8729-2A3CAC076D73}" type="slidenum">
+              <a:rPr lang="de-DE" altLang="de-DE" smtClean="0"/>
+              <a:pPr>
+                <a:defRPr/>
+              </a:pPr>
+              <a:t>9</a:t>
+            </a:fld>
+            <a:endParaRPr lang="de-DE" altLang="de-DE"/>
+          </a:p>
+        </p:txBody>
+      </p:sp>
+    </p:spTree>
+    <p:extLst>
+      <p:ext uri="{BB962C8B-B14F-4D97-AF65-F5344CB8AC3E}">
+        <p14:creationId xmlns:p14="http://schemas.microsoft.com/office/powerpoint/2010/main" val="505347252"/>
+      </p:ext>
+    </p:extLst>
+  </p:cSld>
+  <p:clrMapOvr>
+    <a:masterClrMapping/>
+  </p:clrMapOvr>
+</p:notes>
+</file>
+
+<file path=ppt/notesSlides/notesSlide9.xml><?xml version="1.0" encoding="utf-8"?>
+<p:notes xmlns:a="http://schemas.openxmlformats.org/drawingml/2006/main" xmlns:r="http://schemas.openxmlformats.org/officeDocument/2006/relationships" xmlns:p="http://schemas.openxmlformats.org/presentationml/2006/main">
+  <p:cSld>
+    <p:spTree>
+      <p:nvGrpSpPr>
+        <p:cNvPr id="1" name=""/>
+        <p:cNvGrpSpPr/>
+        <p:nvPr/>
+      </p:nvGrpSpPr>
+      <p:grpSpPr>
+        <a:xfrm>
+          <a:off x="0" y="0"/>
+          <a:ext cx="0" cy="0"/>
+          <a:chOff x="0" y="0"/>
+          <a:chExt cx="0" cy="0"/>
+        </a:xfrm>
+      </p:grpSpPr>
+      <p:sp>
+        <p:nvSpPr>
+          <p:cNvPr id="2" name="Folienbildplatzhalter 1"/>
+          <p:cNvSpPr>
+            <a:spLocks noGrp="1" noRot="1" noChangeAspect="1"/>
+          </p:cNvSpPr>
+          <p:nvPr>
+            <p:ph type="sldImg"/>
+          </p:nvPr>
+        </p:nvSpPr>
+        <p:spPr/>
+      </p:sp>
+      <p:sp>
+        <p:nvSpPr>
+          <p:cNvPr id="3" name="Notizenplatzhalter 2"/>
+          <p:cNvSpPr>
+            <a:spLocks noGrp="1"/>
+          </p:cNvSpPr>
+          <p:nvPr>
+            <p:ph type="body" idx="1"/>
+          </p:nvPr>
+        </p:nvSpPr>
+        <p:spPr/>
+        <p:txBody>
+          <a:bodyPr/>
+          <a:lstStyle/>
+          <a:p>
+            <a:r>
+              <a:rPr lang="de-DE" dirty="0"/>
+              <a:t>Phillip Stunden</a:t>
+            </a:r>
+          </a:p>
+          <a:p>
+            <a:r>
+              <a:rPr lang="de-DE" dirty="0"/>
+              <a:t>Vergleich</a:t>
+            </a:r>
+          </a:p>
+          <a:p>
+            <a:r>
+              <a:rPr lang="de-DE" dirty="0"/>
+              <a:t>Jakobs Stunden</a:t>
+            </a:r>
+          </a:p>
+          <a:p>
+            <a:endParaRPr lang="de-DE" dirty="0"/>
+          </a:p>
+          <a:p>
+            <a:r>
+              <a:rPr lang="de-DE" dirty="0"/>
+              <a:t>Arbeit in Arbeitspakten aufgeteilt</a:t>
+            </a:r>
+          </a:p>
+        </p:txBody>
+      </p:sp>
+      <p:sp>
+        <p:nvSpPr>
+          <p:cNvPr id="4" name="Foliennummernplatzhalter 3"/>
+          <p:cNvSpPr>
+            <a:spLocks noGrp="1"/>
+          </p:cNvSpPr>
+          <p:nvPr>
+            <p:ph type="sldNum" sz="quarter" idx="5"/>
+          </p:nvPr>
+        </p:nvSpPr>
+        <p:spPr/>
+        <p:txBody>
+          <a:bodyPr/>
+          <a:lstStyle/>
+          <a:p>
+            <a:pPr>
+              <a:defRPr/>
+            </a:pPr>
+            <a:fld id="{8946FE85-8B7A-4F17-8729-2A3CAC076D73}" type="slidenum">
+              <a:rPr lang="de-DE" altLang="de-DE" smtClean="0"/>
+              <a:pPr>
+                <a:defRPr/>
+              </a:pPr>
+              <a:t>10</a:t>
+            </a:fld>
+            <a:endParaRPr lang="de-DE" altLang="de-DE"/>
+          </a:p>
+        </p:txBody>
+      </p:sp>
+    </p:spTree>
+    <p:extLst>
+      <p:ext uri="{BB962C8B-B14F-4D97-AF65-F5344CB8AC3E}">
+        <p14:creationId xmlns:p14="http://schemas.microsoft.com/office/powerpoint/2010/main" val="2486654377"/>
+      </p:ext>
+    </p:extLst>
+  </p:cSld>
+  <p:clrMapOvr>
+    <a:masterClrMapping/>
+  </p:clrMapOvr>
+</p:notes>
 </file>
 
 <file path=ppt/slideLayouts/slideLayout1.xml><?xml version="1.0" encoding="utf-8"?>
@@ -5550,7 +7704,7 @@
           <p:nvPr/>
         </p:nvPicPr>
         <p:blipFill>
-          <a:blip r:embed="rId2">
+          <a:blip r:embed="rId3">
             <a:extLst>
               <a:ext uri="{28A0092B-C50C-407E-A947-70E740481C1C}">
                 <a14:useLocalDpi xmlns:a14="http://schemas.microsoft.com/office/drawing/2010/main" val="0"/>
@@ -5610,7 +7764,7 @@
           <p:nvPr/>
         </p:nvPicPr>
         <p:blipFill>
-          <a:blip r:embed="rId3">
+          <a:blip r:embed="rId4">
             <a:extLst>
               <a:ext uri="{28A0092B-C50C-407E-A947-70E740481C1C}">
                 <a14:useLocalDpi xmlns:a14="http://schemas.microsoft.com/office/drawing/2010/main" val="0"/>
@@ -5670,7 +7824,7 @@
           <p:nvPr/>
         </p:nvPicPr>
         <p:blipFill>
-          <a:blip r:embed="rId4">
+          <a:blip r:embed="rId5">
             <a:extLst>
               <a:ext uri="{28A0092B-C50C-407E-A947-70E740481C1C}">
                 <a14:useLocalDpi xmlns:a14="http://schemas.microsoft.com/office/drawing/2010/main" val="0"/>
@@ -5730,7 +7884,7 @@
           <p:nvPr/>
         </p:nvPicPr>
         <p:blipFill>
-          <a:blip r:embed="rId5">
+          <a:blip r:embed="rId6">
             <a:extLst>
               <a:ext uri="{28A0092B-C50C-407E-A947-70E740481C1C}">
                 <a14:useLocalDpi xmlns:a14="http://schemas.microsoft.com/office/drawing/2010/main" val="0"/>
@@ -5790,7 +7944,7 @@
           <p:nvPr/>
         </p:nvPicPr>
         <p:blipFill>
-          <a:blip r:embed="rId6">
+          <a:blip r:embed="rId7">
             <a:extLst>
               <a:ext uri="{28A0092B-C50C-407E-A947-70E740481C1C}">
                 <a14:useLocalDpi xmlns:a14="http://schemas.microsoft.com/office/drawing/2010/main" val="0"/>
@@ -5850,7 +8004,7 @@
           <p:nvPr/>
         </p:nvPicPr>
         <p:blipFill>
-          <a:blip r:embed="rId7">
+          <a:blip r:embed="rId8">
             <a:extLst>
               <a:ext uri="{28A0092B-C50C-407E-A947-70E740481C1C}">
                 <a14:useLocalDpi xmlns:a14="http://schemas.microsoft.com/office/drawing/2010/main" val="0"/>
@@ -5970,7 +8124,7 @@
           </p:nvPr>
         </p:nvPicPr>
         <p:blipFill>
-          <a:blip r:embed="rId2">
+          <a:blip r:embed="rId3">
             <a:extLst>
               <a:ext uri="{28A0092B-C50C-407E-A947-70E740481C1C}">
                 <a14:useLocalDpi xmlns:a14="http://schemas.microsoft.com/office/drawing/2010/main" val="0"/>
@@ -6381,7 +8535,7 @@
           <p:nvPr/>
         </p:nvPicPr>
         <p:blipFill>
-          <a:blip r:embed="rId3">
+          <a:blip r:embed="rId4">
             <a:extLst>
               <a:ext uri="{28A0092B-C50C-407E-A947-70E740481C1C}">
                 <a14:useLocalDpi xmlns:a14="http://schemas.microsoft.com/office/drawing/2010/main" val="0"/>
@@ -6441,7 +8595,7 @@
           <p:nvPr/>
         </p:nvPicPr>
         <p:blipFill>
-          <a:blip r:embed="rId4">
+          <a:blip r:embed="rId5">
             <a:extLst>
               <a:ext uri="{28A0092B-C50C-407E-A947-70E740481C1C}">
                 <a14:useLocalDpi xmlns:a14="http://schemas.microsoft.com/office/drawing/2010/main" val="0"/>
@@ -7974,7 +10128,7 @@
           </p:nvPr>
         </p:nvPicPr>
         <p:blipFill>
-          <a:blip r:embed="rId2">
+          <a:blip r:embed="rId3">
             <a:extLst>
               <a:ext uri="{28A0092B-C50C-407E-A947-70E740481C1C}">
                 <a14:useLocalDpi xmlns:a14="http://schemas.microsoft.com/office/drawing/2010/main" val="0"/>
@@ -8846,7 +11000,7 @@
           </p:nvPr>
         </p:nvPicPr>
         <p:blipFill>
-          <a:blip r:embed="rId2">
+          <a:blip r:embed="rId3">
             <a:extLst>
               <a:ext uri="{28A0092B-C50C-407E-A947-70E740481C1C}">
                 <a14:useLocalDpi xmlns:a14="http://schemas.microsoft.com/office/drawing/2010/main" val="0"/>
@@ -9902,7 +12056,7 @@
           <p:nvPr/>
         </p:nvPicPr>
         <p:blipFill>
-          <a:blip r:embed="rId2">
+          <a:blip r:embed="rId3">
             <a:extLst>
               <a:ext uri="{28A0092B-C50C-407E-A947-70E740481C1C}">
                 <a14:useLocalDpi xmlns:a14="http://schemas.microsoft.com/office/drawing/2010/main" val="0"/>
@@ -9962,7 +12116,7 @@
           <p:nvPr/>
         </p:nvPicPr>
         <p:blipFill>
-          <a:blip r:embed="rId3">
+          <a:blip r:embed="rId4">
             <a:extLst>
               <a:ext uri="{28A0092B-C50C-407E-A947-70E740481C1C}">
                 <a14:useLocalDpi xmlns:a14="http://schemas.microsoft.com/office/drawing/2010/main" val="0"/>
@@ -11279,7 +13433,7 @@
           </p:nvPr>
         </p:nvPicPr>
         <p:blipFill>
-          <a:blip r:embed="rId2">
+          <a:blip r:embed="rId3">
             <a:extLst>
               <a:ext uri="{28A0092B-C50C-407E-A947-70E740481C1C}">
                 <a14:useLocalDpi xmlns:a14="http://schemas.microsoft.com/office/drawing/2010/main" val="0"/>
@@ -13437,7 +15591,7 @@
           <p:nvPr/>
         </p:nvPicPr>
         <p:blipFill>
-          <a:blip r:embed="rId2"/>
+          <a:blip r:embed="rId3"/>
           <a:stretch>
             <a:fillRect/>
           </a:stretch>
@@ -13500,7 +15654,7 @@
           <p:nvPr/>
         </p:nvPicPr>
         <p:blipFill>
-          <a:blip r:embed="rId3" cstate="print">
+          <a:blip r:embed="rId4" cstate="print">
             <a:extLst>
               <a:ext uri="{28A0092B-C50C-407E-A947-70E740481C1C}">
                 <a14:useLocalDpi xmlns:a14="http://schemas.microsoft.com/office/drawing/2010/main" val="0"/>
@@ -14949,7 +17103,7 @@
           <p:nvPr/>
         </p:nvPicPr>
         <p:blipFill>
-          <a:blip r:embed="rId2"/>
+          <a:blip r:embed="rId3"/>
           <a:srcRect/>
           <a:stretch>
             <a:fillRect/>
@@ -16920,7 +19074,7 @@
           <p:nvPr/>
         </p:nvPicPr>
         <p:blipFill>
-          <a:blip r:embed="rId2">
+          <a:blip r:embed="rId3">
             <a:extLst>
               <a:ext uri="{28A0092B-C50C-407E-A947-70E740481C1C}">
                 <a14:useLocalDpi xmlns:a14="http://schemas.microsoft.com/office/drawing/2010/main" val="0"/>
@@ -17494,7 +19648,7 @@
           <p:nvPr/>
         </p:nvPicPr>
         <p:blipFill>
-          <a:blip r:embed="rId2">
+          <a:blip r:embed="rId3">
             <a:extLst>
               <a:ext uri="{28A0092B-C50C-407E-A947-70E740481C1C}">
                 <a14:useLocalDpi xmlns:a14="http://schemas.microsoft.com/office/drawing/2010/main" val="0"/>
@@ -17554,7 +19708,7 @@
           <p:nvPr/>
         </p:nvPicPr>
         <p:blipFill>
-          <a:blip r:embed="rId3">
+          <a:blip r:embed="rId4">
             <a:extLst>
               <a:ext uri="{28A0092B-C50C-407E-A947-70E740481C1C}">
                 <a14:useLocalDpi xmlns:a14="http://schemas.microsoft.com/office/drawing/2010/main" val="0"/>
@@ -17614,7 +19768,7 @@
           <p:nvPr/>
         </p:nvPicPr>
         <p:blipFill>
-          <a:blip r:embed="rId4">
+          <a:blip r:embed="rId5">
             <a:extLst>
               <a:ext uri="{28A0092B-C50C-407E-A947-70E740481C1C}">
                 <a14:useLocalDpi xmlns:a14="http://schemas.microsoft.com/office/drawing/2010/main" val="0"/>
@@ -18892,7 +21046,7 @@
           <p:nvPr/>
         </p:nvPicPr>
         <p:blipFill>
-          <a:blip r:embed="rId2">
+          <a:blip r:embed="rId3">
             <a:extLst>
               <a:ext uri="{28A0092B-C50C-407E-A947-70E740481C1C}">
                 <a14:useLocalDpi xmlns:a14="http://schemas.microsoft.com/office/drawing/2010/main" val="0"/>
@@ -18952,7 +21106,7 @@
           <p:nvPr/>
         </p:nvPicPr>
         <p:blipFill>
-          <a:blip r:embed="rId3">
+          <a:blip r:embed="rId4">
             <a:extLst>
               <a:ext uri="{28A0092B-C50C-407E-A947-70E740481C1C}">
                 <a14:useLocalDpi xmlns:a14="http://schemas.microsoft.com/office/drawing/2010/main" val="0"/>
@@ -19462,7 +21616,7 @@
           <p:nvPr/>
         </p:nvPicPr>
         <p:blipFill>
-          <a:blip r:embed="rId4">
+          <a:blip r:embed="rId5">
             <a:extLst>
               <a:ext uri="{28A0092B-C50C-407E-A947-70E740481C1C}">
                 <a14:useLocalDpi xmlns:a14="http://schemas.microsoft.com/office/drawing/2010/main" val="0"/>

--- a/Projektleiter/SoftwareEngineering_Präsentation.pptx
+++ b/Projektleiter/SoftwareEngineering_Präsentation.pptx
@@ -178,6 +178,50 @@
     </p:ext>
   </p:extLst>
 </p:presentation>
+</file>
+
+<file path=ppt/changesInfos/changesInfo1.xml><?xml version="1.0" encoding="utf-8"?>
+<pc:chgInfo xmlns:a="http://schemas.openxmlformats.org/drawingml/2006/main" xmlns:r="http://schemas.openxmlformats.org/officeDocument/2006/relationships" xmlns:ac="http://schemas.microsoft.com/office/drawing/2013/main/command" xmlns:pc="http://schemas.microsoft.com/office/powerpoint/2013/main/command">
+  <pc:docChgLst>
+    <pc:chgData name="Tobias Roth" userId="7a7936ad18b171e0" providerId="LiveId" clId="{8AF64298-ABFA-47D1-91D1-6D7AC007ED69}"/>
+    <pc:docChg chg="undo custSel modSld">
+      <pc:chgData name="Tobias Roth" userId="7a7936ad18b171e0" providerId="LiveId" clId="{8AF64298-ABFA-47D1-91D1-6D7AC007ED69}" dt="2021-05-19T14:42:55.260" v="6" actId="1076"/>
+      <pc:docMkLst>
+        <pc:docMk/>
+      </pc:docMkLst>
+      <pc:sldChg chg="modSp mod">
+        <pc:chgData name="Tobias Roth" userId="7a7936ad18b171e0" providerId="LiveId" clId="{8AF64298-ABFA-47D1-91D1-6D7AC007ED69}" dt="2021-05-19T13:56:25.309" v="2" actId="1076"/>
+        <pc:sldMkLst>
+          <pc:docMk/>
+          <pc:sldMk cId="0" sldId="281"/>
+        </pc:sldMkLst>
+        <pc:spChg chg="mod">
+          <ac:chgData name="Tobias Roth" userId="7a7936ad18b171e0" providerId="LiveId" clId="{8AF64298-ABFA-47D1-91D1-6D7AC007ED69}" dt="2021-05-19T13:56:25.309" v="2" actId="1076"/>
+          <ac:spMkLst>
+            <pc:docMk/>
+            <pc:sldMk cId="0" sldId="281"/>
+            <ac:spMk id="2" creationId="{00D952ED-4D9D-4D8F-94C0-BC0FC0BDDD53}"/>
+          </ac:spMkLst>
+        </pc:spChg>
+      </pc:sldChg>
+      <pc:sldChg chg="modSp mod">
+        <pc:chgData name="Tobias Roth" userId="7a7936ad18b171e0" providerId="LiveId" clId="{8AF64298-ABFA-47D1-91D1-6D7AC007ED69}" dt="2021-05-19T14:42:55.260" v="6" actId="1076"/>
+        <pc:sldMkLst>
+          <pc:docMk/>
+          <pc:sldMk cId="2804463372" sldId="293"/>
+        </pc:sldMkLst>
+        <pc:picChg chg="mod">
+          <ac:chgData name="Tobias Roth" userId="7a7936ad18b171e0" providerId="LiveId" clId="{8AF64298-ABFA-47D1-91D1-6D7AC007ED69}" dt="2021-05-19T14:42:55.260" v="6" actId="1076"/>
+          <ac:picMkLst>
+            <pc:docMk/>
+            <pc:sldMk cId="2804463372" sldId="293"/>
+            <ac:picMk id="10" creationId="{FEECB8B8-9D20-44CD-8BEB-A31D81422AF6}"/>
+          </ac:picMkLst>
+        </pc:picChg>
+      </pc:sldChg>
+    </pc:docChg>
+  </pc:docChgLst>
+</pc:chgInfo>
 </file>
 
 <file path=ppt/handoutMasters/handoutMaster1.xml><?xml version="1.0" encoding="utf-8"?>
@@ -13476,7 +13520,7 @@
         </p:nvSpPr>
         <p:spPr>
           <a:xfrm>
-            <a:off x="681038" y="2260600"/>
+            <a:off x="632520" y="2247698"/>
             <a:ext cx="7991475" cy="2862263"/>
           </a:xfrm>
           <a:prstGeom prst="rect">
@@ -15668,7 +15712,7 @@
         </p:blipFill>
         <p:spPr bwMode="auto">
           <a:xfrm>
-            <a:off x="1532170" y="1731963"/>
+            <a:off x="1510448" y="1745255"/>
             <a:ext cx="7764230" cy="4217317"/>
           </a:xfrm>
           <a:prstGeom prst="rect">
